--- a/Documentation/Abschlusspräsentation.pptx
+++ b/Documentation/Abschlusspräsentation.pptx
@@ -16068,8 +16068,8 @@
         </p:blipFill>
         <p:spPr>
           <a:xfrm>
-            <a:off x="565150" y="3066392"/>
-            <a:ext cx="8203360" cy="2494609"/>
+            <a:off x="565149" y="2917403"/>
+            <a:ext cx="10423379" cy="3169708"/>
           </a:xfrm>
         </p:spPr>
       </p:pic>
@@ -16672,8 +16672,8 @@
         </p:blipFill>
         <p:spPr>
           <a:xfrm>
-            <a:off x="562185" y="445377"/>
-            <a:ext cx="9241101" cy="5682746"/>
+            <a:off x="562185" y="445376"/>
+            <a:ext cx="9620426" cy="5916009"/>
           </a:xfrm>
           <a:prstGeom prst="rect">
             <a:avLst/>
@@ -17141,8 +17141,8 @@
         </p:blipFill>
         <p:spPr>
           <a:xfrm>
-            <a:off x="6499786" y="4160748"/>
-            <a:ext cx="2686283" cy="1207875"/>
+            <a:off x="6447089" y="3579839"/>
+            <a:ext cx="3708386" cy="1667459"/>
           </a:xfrm>
           <a:prstGeom prst="rect">
             <a:avLst/>
@@ -17176,8 +17176,8 @@
         </p:blipFill>
         <p:spPr>
           <a:xfrm>
-            <a:off x="3577492" y="2817523"/>
-            <a:ext cx="2591025" cy="1143099"/>
+            <a:off x="4003881" y="1703897"/>
+            <a:ext cx="3749522" cy="1654200"/>
           </a:xfrm>
           <a:prstGeom prst="rect">
             <a:avLst/>
@@ -17187,6 +17187,78 @@
               <a:schemeClr val="tx1"/>
             </a:solidFill>
           </a:ln>
+        </p:spPr>
+      </p:pic>
+      <p:pic>
+        <p:nvPicPr>
+          <p:cNvPr id="6" name="Grafik 5">
+            <a:extLst>
+              <a:ext uri="{FF2B5EF4-FFF2-40B4-BE49-F238E27FC236}">
+                <a16:creationId xmlns:a16="http://schemas.microsoft.com/office/drawing/2014/main" id="{42B6BB23-FF1A-B1EF-3C33-A30B6DC08E8D}"/>
+              </a:ext>
+            </a:extLst>
+          </p:cNvPr>
+          <p:cNvPicPr>
+            <a:picLocks noChangeAspect="1"/>
+          </p:cNvPicPr>
+          <p:nvPr/>
+        </p:nvPicPr>
+        <p:blipFill>
+          <a:blip r:embed="rId4">
+            <a:extLst>
+              <a:ext uri="{28A0092B-C50C-407E-A947-70E740481C1C}">
+                <a14:useLocalDpi xmlns:a14="http://schemas.microsoft.com/office/drawing/2010/main" val="0"/>
+              </a:ext>
+            </a:extLst>
+          </a:blip>
+          <a:stretch>
+            <a:fillRect/>
+          </a:stretch>
+        </p:blipFill>
+        <p:spPr>
+          <a:xfrm>
+            <a:off x="610822" y="4307864"/>
+            <a:ext cx="1493749" cy="1493749"/>
+          </a:xfrm>
+          <a:prstGeom prst="rect">
+            <a:avLst/>
+          </a:prstGeom>
+        </p:spPr>
+      </p:pic>
+      <p:pic>
+        <p:nvPicPr>
+          <p:cNvPr id="9" name="Grafik 8" descr="Ein Bild, das Logo enthält.&#10;&#10;Automatisch generierte Beschreibung">
+            <a:extLst>
+              <a:ext uri="{FF2B5EF4-FFF2-40B4-BE49-F238E27FC236}">
+                <a16:creationId xmlns:a16="http://schemas.microsoft.com/office/drawing/2014/main" id="{4C9C5E2C-95DE-22A1-FDC5-AD3B1B6452DC}"/>
+              </a:ext>
+            </a:extLst>
+          </p:cNvPr>
+          <p:cNvPicPr>
+            <a:picLocks noChangeAspect="1"/>
+          </p:cNvPicPr>
+          <p:nvPr/>
+        </p:nvPicPr>
+        <p:blipFill>
+          <a:blip r:embed="rId5">
+            <a:extLst>
+              <a:ext uri="{28A0092B-C50C-407E-A947-70E740481C1C}">
+                <a14:useLocalDpi xmlns:a14="http://schemas.microsoft.com/office/drawing/2010/main" val="0"/>
+              </a:ext>
+            </a:extLst>
+          </a:blip>
+          <a:stretch>
+            <a:fillRect/>
+          </a:stretch>
+        </p:blipFill>
+        <p:spPr>
+          <a:xfrm>
+            <a:off x="2588382" y="4352089"/>
+            <a:ext cx="2963722" cy="1405298"/>
+          </a:xfrm>
+          <a:prstGeom prst="rect">
+            <a:avLst/>
+          </a:prstGeom>
         </p:spPr>
       </p:pic>
     </p:spTree>
@@ -17359,10 +17431,10 @@
           <a:bodyPr/>
           <a:lstStyle/>
           <a:p>
-            <a:r>
-              <a:rPr lang="de-DE" dirty="0"/>
-              <a:t>Main-Klasse</a:t>
-            </a:r>
+            <a:pPr marL="0" indent="0">
+              <a:buNone/>
+            </a:pPr>
+            <a:endParaRPr lang="de-DE" dirty="0"/>
           </a:p>
         </p:txBody>
       </p:sp>
@@ -17394,7 +17466,7 @@
         </p:blipFill>
         <p:spPr>
           <a:xfrm>
-            <a:off x="7490322" y="3429000"/>
+            <a:off x="8559541" y="4417181"/>
             <a:ext cx="2227486" cy="2440819"/>
           </a:xfrm>
           <a:prstGeom prst="rect">
@@ -17424,8 +17496,8 @@
         </p:blipFill>
         <p:spPr>
           <a:xfrm>
-            <a:off x="565150" y="2710104"/>
-            <a:ext cx="6363251" cy="3105419"/>
+            <a:off x="314647" y="2160016"/>
+            <a:ext cx="8046929" cy="3927094"/>
           </a:xfrm>
           <a:prstGeom prst="rect">
             <a:avLst/>
@@ -17511,8 +17583,8 @@
         </p:blipFill>
         <p:spPr>
           <a:xfrm>
-            <a:off x="1668366" y="1740631"/>
-            <a:ext cx="5569424" cy="3376737"/>
+            <a:off x="565150" y="706065"/>
+            <a:ext cx="8875232" cy="5381045"/>
           </a:xfrm>
         </p:spPr>
       </p:pic>
@@ -17612,12 +17684,6 @@
               <a:t>Tkinter</a:t>
             </a:r>
             <a:endParaRPr lang="de-DE" dirty="0"/>
-          </a:p>
-          <a:p>
-            <a:r>
-              <a:rPr lang="de-DE" dirty="0"/>
-              <a:t>Eigene Klasse</a:t>
-            </a:r>
           </a:p>
           <a:p>
             <a:r>
@@ -17788,6 +17854,42 @@
           </a:fontRef>
         </p:style>
       </p:cxnSp>
+      <p:pic>
+        <p:nvPicPr>
+          <p:cNvPr id="15" name="Grafik 14" descr="Ein Bild, das Logo enthält.&#10;&#10;Automatisch generierte Beschreibung">
+            <a:extLst>
+              <a:ext uri="{FF2B5EF4-FFF2-40B4-BE49-F238E27FC236}">
+                <a16:creationId xmlns:a16="http://schemas.microsoft.com/office/drawing/2014/main" id="{40EA5D46-81D4-48BF-834B-BFB621B2BC2E}"/>
+              </a:ext>
+            </a:extLst>
+          </p:cNvPr>
+          <p:cNvPicPr>
+            <a:picLocks noChangeAspect="1"/>
+          </p:cNvPicPr>
+          <p:nvPr/>
+        </p:nvPicPr>
+        <p:blipFill>
+          <a:blip r:embed="rId4">
+            <a:extLst>
+              <a:ext uri="{28A0092B-C50C-407E-A947-70E740481C1C}">
+                <a14:useLocalDpi xmlns:a14="http://schemas.microsoft.com/office/drawing/2010/main" val="0"/>
+              </a:ext>
+            </a:extLst>
+          </a:blip>
+          <a:stretch>
+            <a:fillRect/>
+          </a:stretch>
+        </p:blipFill>
+        <p:spPr>
+          <a:xfrm>
+            <a:off x="964280" y="4064000"/>
+            <a:ext cx="1702073" cy="1865085"/>
+          </a:xfrm>
+          <a:prstGeom prst="rect">
+            <a:avLst/>
+          </a:prstGeom>
+        </p:spPr>
+      </p:pic>
     </p:spTree>
     <p:extLst>
       <p:ext uri="{BB962C8B-B14F-4D97-AF65-F5344CB8AC3E}">

--- a/Documentation/Abschlusspräsentation.pptx
+++ b/Documentation/Abschlusspräsentation.pptx
@@ -7,15 +7,15 @@
   <p:sldIdLst>
     <p:sldId id="256" r:id="rId2"/>
     <p:sldId id="258" r:id="rId3"/>
-    <p:sldId id="257" r:id="rId4"/>
-    <p:sldId id="259" r:id="rId5"/>
+    <p:sldId id="259" r:id="rId4"/>
+    <p:sldId id="272" r:id="rId5"/>
     <p:sldId id="260" r:id="rId6"/>
     <p:sldId id="265" r:id="rId7"/>
     <p:sldId id="261" r:id="rId8"/>
     <p:sldId id="266" r:id="rId9"/>
     <p:sldId id="262" r:id="rId10"/>
     <p:sldId id="264" r:id="rId11"/>
-    <p:sldId id="263" r:id="rId12"/>
+    <p:sldId id="273" r:id="rId12"/>
     <p:sldId id="267" r:id="rId13"/>
     <p:sldId id="268" r:id="rId14"/>
     <p:sldId id="269" r:id="rId15"/>
@@ -2315,7 +2315,7 @@
             <a:fld id="{A5B0A250-5CC0-1746-B209-08E8B0DAE6AF}" type="datetimeFigureOut">
               <a:rPr lang="en-US" smtClean="0"/>
               <a:pPr algn="l"/>
-              <a:t>3/15/2023</a:t>
+              <a:t>3/16/2023</a:t>
             </a:fld>
             <a:endParaRPr lang="en-US" dirty="0"/>
           </a:p>
@@ -3777,7 +3777,7 @@
           <a:p>
             <a:fld id="{A5B0A250-5CC0-1746-B209-08E8B0DAE6AF}" type="datetimeFigureOut">
               <a:rPr lang="en-US" smtClean="0"/>
-              <a:t>3/15/2023</a:t>
+              <a:t>3/16/2023</a:t>
             </a:fld>
             <a:endParaRPr lang="en-US" dirty="0"/>
           </a:p>
@@ -4707,7 +4707,7 @@
           <a:p>
             <a:fld id="{A5B0A250-5CC0-1746-B209-08E8B0DAE6AF}" type="datetimeFigureOut">
               <a:rPr lang="en-US" smtClean="0"/>
-              <a:t>3/15/2023</a:t>
+              <a:t>3/16/2023</a:t>
             </a:fld>
             <a:endParaRPr lang="en-US"/>
           </a:p>
@@ -6164,7 +6164,7 @@
           <a:p>
             <a:fld id="{A5B0A250-5CC0-1746-B209-08E8B0DAE6AF}" type="datetimeFigureOut">
               <a:rPr lang="en-US" smtClean="0"/>
-              <a:t>3/15/2023</a:t>
+              <a:t>3/16/2023</a:t>
             </a:fld>
             <a:endParaRPr lang="en-US" dirty="0"/>
           </a:p>
@@ -8520,7 +8520,7 @@
           <a:p>
             <a:fld id="{A5B0A250-5CC0-1746-B209-08E8B0DAE6AF}" type="datetimeFigureOut">
               <a:rPr lang="en-US" smtClean="0"/>
-              <a:t>3/15/2023</a:t>
+              <a:t>3/16/2023</a:t>
             </a:fld>
             <a:endParaRPr lang="en-US" dirty="0"/>
           </a:p>
@@ -9561,7 +9561,7 @@
           <a:p>
             <a:fld id="{A5B0A250-5CC0-1746-B209-08E8B0DAE6AF}" type="datetimeFigureOut">
               <a:rPr lang="en-US" smtClean="0"/>
-              <a:t>3/15/2023</a:t>
+              <a:t>3/16/2023</a:t>
             </a:fld>
             <a:endParaRPr lang="en-US" dirty="0"/>
           </a:p>
@@ -10774,7 +10774,7 @@
           <a:p>
             <a:fld id="{A5B0A250-5CC0-1746-B209-08E8B0DAE6AF}" type="datetimeFigureOut">
               <a:rPr lang="en-US" smtClean="0"/>
-              <a:t>3/15/2023</a:t>
+              <a:t>3/16/2023</a:t>
             </a:fld>
             <a:endParaRPr lang="en-US" dirty="0"/>
           </a:p>
@@ -11683,7 +11683,7 @@
           <a:p>
             <a:fld id="{A5B0A250-5CC0-1746-B209-08E8B0DAE6AF}" type="datetimeFigureOut">
               <a:rPr lang="en-US" smtClean="0"/>
-              <a:t>3/15/2023</a:t>
+              <a:t>3/16/2023</a:t>
             </a:fld>
             <a:endParaRPr lang="en-US" dirty="0"/>
           </a:p>
@@ -11842,7 +11842,7 @@
             <a:fld id="{A5B0A250-5CC0-1746-B209-08E8B0DAE6AF}" type="datetimeFigureOut">
               <a:rPr lang="en-US" smtClean="0"/>
               <a:pPr/>
-              <a:t>3/15/2023</a:t>
+              <a:t>3/16/2023</a:t>
             </a:fld>
             <a:endParaRPr lang="en-US" dirty="0"/>
           </a:p>
@@ -12825,7 +12825,7 @@
           <a:p>
             <a:fld id="{A5B0A250-5CC0-1746-B209-08E8B0DAE6AF}" type="datetimeFigureOut">
               <a:rPr lang="en-US" smtClean="0"/>
-              <a:t>3/15/2023</a:t>
+              <a:t>3/16/2023</a:t>
             </a:fld>
             <a:endParaRPr lang="en-US" dirty="0"/>
           </a:p>
@@ -13887,7 +13887,7 @@
           <a:p>
             <a:fld id="{A5B0A250-5CC0-1746-B209-08E8B0DAE6AF}" type="datetimeFigureOut">
               <a:rPr lang="en-US" smtClean="0"/>
-              <a:t>3/15/2023</a:t>
+              <a:t>3/16/2023</a:t>
             </a:fld>
             <a:endParaRPr lang="en-US" dirty="0"/>
           </a:p>
@@ -14175,7 +14175,7 @@
             <a:fld id="{A5B0A250-5CC0-1746-B209-08E8B0DAE6AF}" type="datetimeFigureOut">
               <a:rPr lang="en-US" smtClean="0"/>
               <a:pPr/>
-              <a:t>3/15/2023</a:t>
+              <a:t>3/16/2023</a:t>
             </a:fld>
             <a:endParaRPr lang="en-US" dirty="0"/>
           </a:p>
@@ -15489,7 +15489,10 @@
           <a:lstStyle/>
           <a:p>
             <a:r>
-              <a:rPr lang="de-DE" dirty="0"/>
+              <a:rPr lang="de-DE" dirty="0">
+                <a:latin typeface="Calibri" panose="020F0502020204030204" pitchFamily="34" charset="0"/>
+                <a:cs typeface="Calibri" panose="020F0502020204030204" pitchFamily="34" charset="0"/>
+              </a:rPr>
               <a:t>Feinstaubstation</a:t>
             </a:r>
           </a:p>
@@ -15524,7 +15527,10 @@
           <a:lstStyle/>
           <a:p>
             <a:r>
-              <a:rPr lang="de-DE"/>
+              <a:rPr lang="de-DE" dirty="0">
+                <a:latin typeface="Calibri" panose="020F0502020204030204" pitchFamily="34" charset="0"/>
+                <a:cs typeface="Calibri" panose="020F0502020204030204" pitchFamily="34" charset="0"/>
+              </a:rPr>
               <a:t>Allie Weitenkamp, Larissa Stapf, Rouven Imhoff</a:t>
             </a:r>
           </a:p>
@@ -15673,7 +15679,10 @@
               <a:buNone/>
             </a:pPr>
             <a:r>
-              <a:rPr lang="de-DE" dirty="0"/>
+              <a:rPr lang="de-DE" dirty="0">
+                <a:latin typeface="Calibri" panose="020F0502020204030204" pitchFamily="34" charset="0"/>
+                <a:cs typeface="Calibri" panose="020F0502020204030204" pitchFamily="34" charset="0"/>
+              </a:rPr>
               <a:t>…dann größer…</a:t>
             </a:r>
           </a:p>
@@ -15763,7 +15772,10 @@
           <a:lstStyle/>
           <a:p>
             <a:pPr algn="ctr"/>
-            <a:endParaRPr lang="de-DE"/>
+            <a:endParaRPr lang="de-DE">
+              <a:latin typeface="Calibri" panose="020F0502020204030204" pitchFamily="34" charset="0"/>
+              <a:cs typeface="Calibri" panose="020F0502020204030204" pitchFamily="34" charset="0"/>
+            </a:endParaRPr>
           </a:p>
         </p:txBody>
       </p:sp>
@@ -15796,7 +15808,10 @@
           <a:lstStyle/>
           <a:p>
             <a:r>
-              <a:rPr lang="de-DE" dirty="0"/>
+              <a:rPr lang="de-DE" dirty="0">
+                <a:latin typeface="Calibri" panose="020F0502020204030204" pitchFamily="34" charset="0"/>
+                <a:cs typeface="Calibri" panose="020F0502020204030204" pitchFamily="34" charset="0"/>
+              </a:rPr>
               <a:t>Zusatzfunktionen</a:t>
             </a:r>
           </a:p>
@@ -15834,40 +15849,10 @@
       </p:grpSpPr>
       <p:sp>
         <p:nvSpPr>
-          <p:cNvPr id="2" name="Titel 1">
-            <a:extLst>
-              <a:ext uri="{FF2B5EF4-FFF2-40B4-BE49-F238E27FC236}">
-                <a16:creationId xmlns:a16="http://schemas.microsoft.com/office/drawing/2014/main" id="{547D22B9-3339-98A4-ADF7-E75815E27ACD}"/>
-              </a:ext>
-            </a:extLst>
-          </p:cNvPr>
-          <p:cNvSpPr>
-            <a:spLocks noGrp="1"/>
-          </p:cNvSpPr>
-          <p:nvPr>
-            <p:ph type="title"/>
-          </p:nvPr>
-        </p:nvSpPr>
-        <p:spPr/>
-        <p:txBody>
-          <a:bodyPr>
-            <a:normAutofit/>
-          </a:bodyPr>
-          <a:lstStyle/>
-          <a:p>
-            <a:r>
-              <a:rPr lang="de-DE" dirty="0"/>
-              <a:t>Zusatzfunktionen</a:t>
-            </a:r>
-          </a:p>
-        </p:txBody>
-      </p:sp>
-      <p:sp>
-        <p:nvSpPr>
           <p:cNvPr id="3" name="Inhaltsplatzhalter 2">
             <a:extLst>
               <a:ext uri="{FF2B5EF4-FFF2-40B4-BE49-F238E27FC236}">
-                <a16:creationId xmlns:a16="http://schemas.microsoft.com/office/drawing/2014/main" id="{5B9E999E-2F82-294D-0D9E-6DC13F723832}"/>
+                <a16:creationId xmlns:a16="http://schemas.microsoft.com/office/drawing/2014/main" id="{22D9D1B4-A16A-F812-3DD4-25D10137A733}"/>
               </a:ext>
             </a:extLst>
           </p:cNvPr>
@@ -15880,8 +15865,8 @@
         </p:nvSpPr>
         <p:spPr>
           <a:xfrm>
-            <a:off x="565150" y="1663262"/>
-            <a:ext cx="7335835" cy="4097966"/>
+            <a:off x="565150" y="1481958"/>
+            <a:ext cx="7335835" cy="4279269"/>
           </a:xfrm>
         </p:spPr>
         <p:txBody>
@@ -15892,7 +15877,10 @@
               <a:buNone/>
             </a:pPr>
             <a:r>
-              <a:rPr lang="de-DE" dirty="0"/>
+              <a:rPr lang="de-DE" dirty="0">
+                <a:latin typeface="Calibri" panose="020F0502020204030204" pitchFamily="34" charset="0"/>
+                <a:cs typeface="Calibri" panose="020F0502020204030204" pitchFamily="34" charset="0"/>
+              </a:rPr>
               <a:t>…und noch mehr Buttons mit neuen Funktionen</a:t>
             </a:r>
           </a:p>
@@ -15903,7 +15891,7 @@
           <p:cNvPr id="4" name="Grafik 3">
             <a:extLst>
               <a:ext uri="{FF2B5EF4-FFF2-40B4-BE49-F238E27FC236}">
-                <a16:creationId xmlns:a16="http://schemas.microsoft.com/office/drawing/2014/main" id="{83CB16FD-B24C-AC04-E33E-4CA40B6BD93B}"/>
+                <a16:creationId xmlns:a16="http://schemas.microsoft.com/office/drawing/2014/main" id="{E45623E4-CBC1-F3C4-C864-7E64ED3B9113}"/>
               </a:ext>
             </a:extLst>
           </p:cNvPr>
@@ -15926,8 +15914,8 @@
         </p:blipFill>
         <p:spPr>
           <a:xfrm>
-            <a:off x="1135117" y="2235558"/>
-            <a:ext cx="9717041" cy="3520086"/>
+            <a:off x="745066" y="2090419"/>
+            <a:ext cx="9450446" cy="3423510"/>
           </a:xfrm>
           <a:prstGeom prst="rect">
             <a:avLst/>
@@ -15936,10 +15924,48 @@
       </p:pic>
       <p:sp>
         <p:nvSpPr>
-          <p:cNvPr id="5" name="Ellipse 4">
+          <p:cNvPr id="6" name="Titel 1">
             <a:extLst>
               <a:ext uri="{FF2B5EF4-FFF2-40B4-BE49-F238E27FC236}">
-                <a16:creationId xmlns:a16="http://schemas.microsoft.com/office/drawing/2014/main" id="{E504C5DE-CBAC-F9D1-826A-265D3480B880}"/>
+                <a16:creationId xmlns:a16="http://schemas.microsoft.com/office/drawing/2014/main" id="{9D9E7C20-CC51-4B7F-CCC7-CFC27B73383C}"/>
+              </a:ext>
+            </a:extLst>
+          </p:cNvPr>
+          <p:cNvSpPr>
+            <a:spLocks noGrp="1"/>
+          </p:cNvSpPr>
+          <p:nvPr>
+            <p:ph type="title"/>
+          </p:nvPr>
+        </p:nvSpPr>
+        <p:spPr>
+          <a:xfrm>
+            <a:off x="565150" y="770890"/>
+            <a:ext cx="7335835" cy="1268984"/>
+          </a:xfrm>
+        </p:spPr>
+        <p:txBody>
+          <a:bodyPr>
+            <a:normAutofit/>
+          </a:bodyPr>
+          <a:lstStyle/>
+          <a:p>
+            <a:r>
+              <a:rPr lang="de-DE" dirty="0">
+                <a:latin typeface="Calibri" panose="020F0502020204030204" pitchFamily="34" charset="0"/>
+                <a:cs typeface="Calibri" panose="020F0502020204030204" pitchFamily="34" charset="0"/>
+              </a:rPr>
+              <a:t>Zusatzfunktionen</a:t>
+            </a:r>
+          </a:p>
+        </p:txBody>
+      </p:sp>
+      <p:sp>
+        <p:nvSpPr>
+          <p:cNvPr id="2" name="Ellipse 1">
+            <a:extLst>
+              <a:ext uri="{FF2B5EF4-FFF2-40B4-BE49-F238E27FC236}">
+                <a16:creationId xmlns:a16="http://schemas.microsoft.com/office/drawing/2014/main" id="{D0FE8B69-7E2B-B17D-AD25-D97D64ADEE6A}"/>
               </a:ext>
             </a:extLst>
           </p:cNvPr>
@@ -15948,7 +15974,7 @@
         </p:nvSpPr>
         <p:spPr>
           <a:xfrm>
-            <a:off x="6478731" y="4927594"/>
+            <a:off x="5938042" y="4689947"/>
             <a:ext cx="2550970" cy="773940"/>
           </a:xfrm>
           <a:prstGeom prst="ellipse">
@@ -15982,14 +16008,17 @@
           <a:lstStyle/>
           <a:p>
             <a:pPr algn="ctr"/>
-            <a:endParaRPr lang="de-DE"/>
+            <a:endParaRPr lang="de-DE">
+              <a:latin typeface="Calibri" panose="020F0502020204030204" pitchFamily="34" charset="0"/>
+              <a:cs typeface="Calibri" panose="020F0502020204030204" pitchFamily="34" charset="0"/>
+            </a:endParaRPr>
           </a:p>
         </p:txBody>
       </p:sp>
     </p:spTree>
     <p:extLst>
       <p:ext uri="{BB962C8B-B14F-4D97-AF65-F5344CB8AC3E}">
-        <p14:creationId xmlns:p14="http://schemas.microsoft.com/office/powerpoint/2010/main" val="4228041643"/>
+        <p14:creationId xmlns:p14="http://schemas.microsoft.com/office/powerpoint/2010/main" val="3891368057"/>
       </p:ext>
     </p:extLst>
   </p:cSld>
@@ -16038,7 +16067,10 @@
           <a:lstStyle/>
           <a:p>
             <a:r>
-              <a:rPr lang="de-DE" dirty="0"/>
+              <a:rPr lang="de-DE" dirty="0">
+                <a:latin typeface="Calibri" panose="020F0502020204030204" pitchFamily="34" charset="0"/>
+                <a:cs typeface="Calibri" panose="020F0502020204030204" pitchFamily="34" charset="0"/>
+              </a:rPr>
               <a:t>Der Graph</a:t>
             </a:r>
           </a:p>
@@ -16266,7 +16298,10 @@
           </a:lstStyle>
           <a:p>
             <a:r>
-              <a:rPr lang="de-DE" dirty="0"/>
+              <a:rPr lang="de-DE" dirty="0">
+                <a:latin typeface="Calibri" panose="020F0502020204030204" pitchFamily="34" charset="0"/>
+                <a:cs typeface="Calibri" panose="020F0502020204030204" pitchFamily="34" charset="0"/>
+              </a:rPr>
               <a:t>Mit</a:t>
             </a:r>
           </a:p>
@@ -16300,7 +16335,7 @@
         </p:blipFill>
         <p:spPr>
           <a:xfrm>
-            <a:off x="1378169" y="1988493"/>
+            <a:off x="1378169" y="1958997"/>
             <a:ext cx="2303079" cy="928909"/>
           </a:xfrm>
           <a:prstGeom prst="rect">
@@ -16360,7 +16395,10 @@
           <a:lstStyle/>
           <a:p>
             <a:r>
-              <a:rPr lang="de-DE" dirty="0"/>
+              <a:rPr lang="de-DE" dirty="0">
+                <a:latin typeface="Calibri" panose="020F0502020204030204" pitchFamily="34" charset="0"/>
+                <a:cs typeface="Calibri" panose="020F0502020204030204" pitchFamily="34" charset="0"/>
+              </a:rPr>
               <a:t>PDF-Export</a:t>
             </a:r>
           </a:p>
@@ -16387,7 +16425,10 @@
           <a:bodyPr/>
           <a:lstStyle/>
           <a:p>
-            <a:endParaRPr lang="de-DE"/>
+            <a:endParaRPr lang="de-DE" dirty="0">
+              <a:latin typeface="Calibri" panose="020F0502020204030204" pitchFamily="34" charset="0"/>
+              <a:cs typeface="Calibri" panose="020F0502020204030204" pitchFamily="34" charset="0"/>
+            </a:endParaRPr>
           </a:p>
         </p:txBody>
       </p:sp>
@@ -16443,7 +16484,10 @@
           <a:lstStyle/>
           <a:p>
             <a:r>
-              <a:rPr lang="de-DE" dirty="0"/>
+              <a:rPr lang="de-DE" dirty="0">
+                <a:latin typeface="Calibri" panose="020F0502020204030204" pitchFamily="34" charset="0"/>
+                <a:cs typeface="Calibri" panose="020F0502020204030204" pitchFamily="34" charset="0"/>
+              </a:rPr>
               <a:t>Datenbank-Update</a:t>
             </a:r>
           </a:p>
@@ -16470,7 +16514,10 @@
           <a:bodyPr/>
           <a:lstStyle/>
           <a:p>
-            <a:endParaRPr lang="de-DE"/>
+            <a:endParaRPr lang="de-DE">
+              <a:latin typeface="Calibri" panose="020F0502020204030204" pitchFamily="34" charset="0"/>
+              <a:cs typeface="Calibri" panose="020F0502020204030204" pitchFamily="34" charset="0"/>
+            </a:endParaRPr>
           </a:p>
         </p:txBody>
       </p:sp>
@@ -16526,10 +16573,16 @@
           <a:lstStyle/>
           <a:p>
             <a:r>
-              <a:rPr lang="de-DE" dirty="0" err="1"/>
+              <a:rPr lang="de-DE" dirty="0" err="1">
+                <a:latin typeface="Calibri" panose="020F0502020204030204" pitchFamily="34" charset="0"/>
+                <a:cs typeface="Calibri" panose="020F0502020204030204" pitchFamily="34" charset="0"/>
+              </a:rPr>
               <a:t>Testing</a:t>
             </a:r>
-            <a:endParaRPr lang="de-DE" dirty="0"/>
+            <a:endParaRPr lang="de-DE" dirty="0">
+              <a:latin typeface="Calibri" panose="020F0502020204030204" pitchFamily="34" charset="0"/>
+              <a:cs typeface="Calibri" panose="020F0502020204030204" pitchFamily="34" charset="0"/>
+            </a:endParaRPr>
           </a:p>
         </p:txBody>
       </p:sp>
@@ -16561,7 +16614,7 @@
                 <a:effectLst/>
                 <a:latin typeface="Calibri" panose="020F0502020204030204" pitchFamily="34" charset="0"/>
                 <a:ea typeface="Calibri" panose="020F0502020204030204" pitchFamily="34" charset="0"/>
-                <a:cs typeface="Times New Roman" panose="02020603050405020304" pitchFamily="18" charset="0"/>
+                <a:cs typeface="Calibri" panose="020F0502020204030204" pitchFamily="34" charset="0"/>
               </a:rPr>
               <a:t>Eingabe von Buchstaben/Sonderzeichen im Datumsfeld</a:t>
             </a:r>
@@ -16572,7 +16625,7 @@
                 <a:effectLst/>
                 <a:latin typeface="Calibri" panose="020F0502020204030204" pitchFamily="34" charset="0"/>
                 <a:ea typeface="Calibri" panose="020F0502020204030204" pitchFamily="34" charset="0"/>
-                <a:cs typeface="Times New Roman" panose="02020603050405020304" pitchFamily="18" charset="0"/>
+                <a:cs typeface="Calibri" panose="020F0502020204030204" pitchFamily="34" charset="0"/>
               </a:rPr>
               <a:t>Eingabe von Daten in Zukunft, zu weit in Vergangenheit oder nicht vorhandene Tage</a:t>
             </a:r>
@@ -16583,7 +16636,7 @@
                 <a:effectLst/>
                 <a:latin typeface="Calibri" panose="020F0502020204030204" pitchFamily="34" charset="0"/>
                 <a:ea typeface="Calibri" panose="020F0502020204030204" pitchFamily="34" charset="0"/>
-                <a:cs typeface="Times New Roman" panose="02020603050405020304" pitchFamily="18" charset="0"/>
+                <a:cs typeface="Calibri" panose="020F0502020204030204" pitchFamily="34" charset="0"/>
               </a:rPr>
               <a:t>Nur Auswahl, keine Eingabe in Dropdown-Menü</a:t>
             </a:r>
@@ -16594,7 +16647,7 @@
                 <a:effectLst/>
                 <a:latin typeface="Calibri" panose="020F0502020204030204" pitchFamily="34" charset="0"/>
                 <a:ea typeface="Calibri" panose="020F0502020204030204" pitchFamily="34" charset="0"/>
-                <a:cs typeface="Times New Roman" panose="02020603050405020304" pitchFamily="18" charset="0"/>
+                <a:cs typeface="Calibri" panose="020F0502020204030204" pitchFamily="34" charset="0"/>
               </a:rPr>
               <a:t>Anzeigen von verschiedenen Werten an verschiedenen Daten und grobes Abschätzen, ob das passt</a:t>
             </a:r>
@@ -16604,7 +16657,7 @@
               <a:effectLst/>
               <a:latin typeface="Calibri" panose="020F0502020204030204" pitchFamily="34" charset="0"/>
               <a:ea typeface="Calibri" panose="020F0502020204030204" pitchFamily="34" charset="0"/>
-              <a:cs typeface="Times New Roman" panose="02020603050405020304" pitchFamily="18" charset="0"/>
+              <a:cs typeface="Calibri" panose="020F0502020204030204" pitchFamily="34" charset="0"/>
             </a:endParaRPr>
           </a:p>
           <a:p>
@@ -16612,11 +16665,14 @@
               <a:effectLst/>
               <a:latin typeface="Calibri" panose="020F0502020204030204" pitchFamily="34" charset="0"/>
               <a:ea typeface="Calibri" panose="020F0502020204030204" pitchFamily="34" charset="0"/>
-              <a:cs typeface="Times New Roman" panose="02020603050405020304" pitchFamily="18" charset="0"/>
+              <a:cs typeface="Calibri" panose="020F0502020204030204" pitchFamily="34" charset="0"/>
             </a:endParaRPr>
           </a:p>
           <a:p>
-            <a:endParaRPr lang="de-DE" dirty="0"/>
+            <a:endParaRPr lang="de-DE" dirty="0">
+              <a:latin typeface="Calibri" panose="020F0502020204030204" pitchFamily="34" charset="0"/>
+              <a:cs typeface="Calibri" panose="020F0502020204030204" pitchFamily="34" charset="0"/>
+            </a:endParaRPr>
           </a:p>
         </p:txBody>
       </p:sp>
@@ -16732,7 +16788,10 @@
           <a:lstStyle/>
           <a:p>
             <a:r>
-              <a:rPr lang="de-DE" dirty="0"/>
+              <a:rPr lang="de-DE" dirty="0">
+                <a:latin typeface="Calibri" panose="020F0502020204030204" pitchFamily="34" charset="0"/>
+                <a:cs typeface="Calibri" panose="020F0502020204030204" pitchFamily="34" charset="0"/>
+              </a:rPr>
               <a:t>Inhalt</a:t>
             </a:r>
           </a:p>
@@ -16760,43 +16819,108 @@
           <a:lstStyle/>
           <a:p>
             <a:r>
-              <a:rPr lang="de-DE" dirty="0"/>
+              <a:rPr lang="de-DE" dirty="0">
+                <a:latin typeface="Calibri" panose="020F0502020204030204" pitchFamily="34" charset="0"/>
+                <a:cs typeface="Calibri" panose="020F0502020204030204" pitchFamily="34" charset="0"/>
+              </a:rPr>
               <a:t>Download</a:t>
             </a:r>
           </a:p>
           <a:p>
             <a:r>
-              <a:rPr lang="de-DE" dirty="0"/>
+              <a:rPr lang="de-DE" dirty="0">
+                <a:latin typeface="Calibri" panose="020F0502020204030204" pitchFamily="34" charset="0"/>
+                <a:cs typeface="Calibri" panose="020F0502020204030204" pitchFamily="34" charset="0"/>
+              </a:rPr>
+              <a:t>ER-Modell</a:t>
+            </a:r>
+          </a:p>
+          <a:p>
+            <a:r>
+              <a:rPr lang="de-DE" dirty="0">
+                <a:latin typeface="Calibri" panose="020F0502020204030204" pitchFamily="34" charset="0"/>
+                <a:cs typeface="Calibri" panose="020F0502020204030204" pitchFamily="34" charset="0"/>
+              </a:rPr>
               <a:t>Datenbank</a:t>
             </a:r>
           </a:p>
           <a:p>
             <a:r>
-              <a:rPr lang="de-DE" dirty="0"/>
+              <a:rPr lang="de-DE" dirty="0">
+                <a:latin typeface="Calibri" panose="020F0502020204030204" pitchFamily="34" charset="0"/>
+                <a:cs typeface="Calibri" panose="020F0502020204030204" pitchFamily="34" charset="0"/>
+              </a:rPr>
               <a:t>Python</a:t>
             </a:r>
           </a:p>
           <a:p>
             <a:r>
-              <a:rPr lang="de-DE" dirty="0"/>
+              <a:rPr lang="de-DE" dirty="0">
+                <a:latin typeface="Calibri" panose="020F0502020204030204" pitchFamily="34" charset="0"/>
+                <a:cs typeface="Calibri" panose="020F0502020204030204" pitchFamily="34" charset="0"/>
+              </a:rPr>
               <a:t>GUI</a:t>
             </a:r>
           </a:p>
           <a:p>
             <a:r>
-              <a:rPr lang="de-DE" dirty="0"/>
+              <a:rPr lang="de-DE" dirty="0">
+                <a:latin typeface="Calibri" panose="020F0502020204030204" pitchFamily="34" charset="0"/>
+                <a:cs typeface="Calibri" panose="020F0502020204030204" pitchFamily="34" charset="0"/>
+              </a:rPr>
               <a:t>Zusatzfunktionen</a:t>
             </a:r>
           </a:p>
           <a:p>
             <a:r>
-              <a:rPr lang="de-DE" dirty="0" err="1"/>
+              <a:rPr lang="de-DE" dirty="0" err="1">
+                <a:latin typeface="Calibri" panose="020F0502020204030204" pitchFamily="34" charset="0"/>
+                <a:cs typeface="Calibri" panose="020F0502020204030204" pitchFamily="34" charset="0"/>
+              </a:rPr>
               <a:t>Testing</a:t>
             </a:r>
-            <a:endParaRPr lang="de-DE" dirty="0"/>
+            <a:endParaRPr lang="de-DE" dirty="0">
+              <a:latin typeface="Calibri" panose="020F0502020204030204" pitchFamily="34" charset="0"/>
+              <a:cs typeface="Calibri" panose="020F0502020204030204" pitchFamily="34" charset="0"/>
+            </a:endParaRPr>
           </a:p>
         </p:txBody>
       </p:sp>
+      <p:pic>
+        <p:nvPicPr>
+          <p:cNvPr id="5" name="Grafik 4" descr="Ein Bild, das Gebäude, draußen enthält.&#10;&#10;Automatisch generierte Beschreibung">
+            <a:extLst>
+              <a:ext uri="{FF2B5EF4-FFF2-40B4-BE49-F238E27FC236}">
+                <a16:creationId xmlns:a16="http://schemas.microsoft.com/office/drawing/2014/main" id="{C76DD17C-2379-41BD-5DD6-D6B7EE5ED9A2}"/>
+              </a:ext>
+            </a:extLst>
+          </p:cNvPr>
+          <p:cNvPicPr>
+            <a:picLocks noChangeAspect="1"/>
+          </p:cNvPicPr>
+          <p:nvPr/>
+        </p:nvPicPr>
+        <p:blipFill rotWithShape="1">
+          <a:blip r:embed="rId2">
+            <a:extLst>
+              <a:ext uri="{28A0092B-C50C-407E-A947-70E740481C1C}">
+                <a14:useLocalDpi xmlns:a14="http://schemas.microsoft.com/office/drawing/2010/main" val="0"/>
+              </a:ext>
+            </a:extLst>
+          </a:blip>
+          <a:srcRect l="8737" t="10165" b="14316"/>
+          <a:stretch/>
+        </p:blipFill>
+        <p:spPr>
+          <a:xfrm>
+            <a:off x="5080884" y="2719346"/>
+            <a:ext cx="4786467" cy="2973788"/>
+          </a:xfrm>
+          <a:prstGeom prst="rect">
+            <a:avLst/>
+          </a:prstGeom>
+        </p:spPr>
+      </p:pic>
     </p:spTree>
     <p:extLst>
       <p:ext uri="{BB962C8B-B14F-4D97-AF65-F5344CB8AC3E}">
@@ -16811,72 +16935,6 @@
 </file>
 
 <file path=ppt/slides/slide3.xml><?xml version="1.0" encoding="utf-8"?>
-<p:sld xmlns:a="http://schemas.openxmlformats.org/drawingml/2006/main" xmlns:r="http://schemas.openxmlformats.org/officeDocument/2006/relationships" xmlns:p="http://schemas.openxmlformats.org/presentationml/2006/main" show="0">
-  <p:cSld>
-    <p:spTree>
-      <p:nvGrpSpPr>
-        <p:cNvPr id="1" name=""/>
-        <p:cNvGrpSpPr/>
-        <p:nvPr/>
-      </p:nvGrpSpPr>
-      <p:grpSpPr>
-        <a:xfrm>
-          <a:off x="0" y="0"/>
-          <a:ext cx="0" cy="0"/>
-          <a:chOff x="0" y="0"/>
-          <a:chExt cx="0" cy="0"/>
-        </a:xfrm>
-      </p:grpSpPr>
-      <p:pic>
-        <p:nvPicPr>
-          <p:cNvPr id="5" name="Grafik 4">
-            <a:extLst>
-              <a:ext uri="{FF2B5EF4-FFF2-40B4-BE49-F238E27FC236}">
-                <a16:creationId xmlns:a16="http://schemas.microsoft.com/office/drawing/2014/main" id="{1D6D33CB-192A-A238-03DA-3A905A8EAAE5}"/>
-              </a:ext>
-            </a:extLst>
-          </p:cNvPr>
-          <p:cNvPicPr>
-            <a:picLocks noChangeAspect="1"/>
-          </p:cNvPicPr>
-          <p:nvPr/>
-        </p:nvPicPr>
-        <p:blipFill>
-          <a:blip r:embed="rId2">
-            <a:extLst>
-              <a:ext uri="{28A0092B-C50C-407E-A947-70E740481C1C}">
-                <a14:useLocalDpi xmlns:a14="http://schemas.microsoft.com/office/drawing/2010/main" val="0"/>
-              </a:ext>
-            </a:extLst>
-          </a:blip>
-          <a:stretch>
-            <a:fillRect/>
-          </a:stretch>
-        </p:blipFill>
-        <p:spPr>
-          <a:xfrm>
-            <a:off x="661172" y="1460184"/>
-            <a:ext cx="10869655" cy="3937631"/>
-          </a:xfrm>
-          <a:prstGeom prst="rect">
-            <a:avLst/>
-          </a:prstGeom>
-        </p:spPr>
-      </p:pic>
-    </p:spTree>
-    <p:extLst>
-      <p:ext uri="{BB962C8B-B14F-4D97-AF65-F5344CB8AC3E}">
-        <p14:creationId xmlns:p14="http://schemas.microsoft.com/office/powerpoint/2010/main" val="2231577795"/>
-      </p:ext>
-    </p:extLst>
-  </p:cSld>
-  <p:clrMapOvr>
-    <a:masterClrMapping/>
-  </p:clrMapOvr>
-</p:sld>
-</file>
-
-<file path=ppt/slides/slide4.xml><?xml version="1.0" encoding="utf-8"?>
 <p:sld xmlns:a="http://schemas.openxmlformats.org/drawingml/2006/main" xmlns:r="http://schemas.openxmlformats.org/officeDocument/2006/relationships" xmlns:p="http://schemas.openxmlformats.org/presentationml/2006/main">
   <p:cSld>
     <p:spTree>
@@ -16917,7 +16975,10 @@
           <a:lstStyle/>
           <a:p>
             <a:r>
-              <a:rPr lang="de-DE" dirty="0"/>
+              <a:rPr lang="de-DE" dirty="0">
+                <a:latin typeface="Calibri" panose="020F0502020204030204" pitchFamily="34" charset="0"/>
+                <a:cs typeface="Calibri" panose="020F0502020204030204" pitchFamily="34" charset="0"/>
+              </a:rPr>
               <a:t>Download</a:t>
             </a:r>
           </a:p>
@@ -16950,22 +17011,37 @@
           <a:lstStyle/>
           <a:p>
             <a:r>
-              <a:rPr lang="de-DE" dirty="0" err="1"/>
+              <a:rPr lang="de-DE" dirty="0" err="1">
+                <a:latin typeface="Calibri" panose="020F0502020204030204" pitchFamily="34" charset="0"/>
+                <a:cs typeface="Calibri" panose="020F0502020204030204" pitchFamily="34" charset="0"/>
+              </a:rPr>
               <a:t>Powershell-Script</a:t>
             </a:r>
-            <a:endParaRPr lang="de-DE" dirty="0"/>
+            <a:endParaRPr lang="de-DE" dirty="0">
+              <a:latin typeface="Calibri" panose="020F0502020204030204" pitchFamily="34" charset="0"/>
+              <a:cs typeface="Calibri" panose="020F0502020204030204" pitchFamily="34" charset="0"/>
+            </a:endParaRPr>
           </a:p>
           <a:p>
             <a:r>
-              <a:rPr lang="de-DE" dirty="0"/>
+              <a:rPr lang="de-DE" dirty="0">
+                <a:latin typeface="Calibri" panose="020F0502020204030204" pitchFamily="34" charset="0"/>
+                <a:cs typeface="Calibri" panose="020F0502020204030204" pitchFamily="34" charset="0"/>
+              </a:rPr>
               <a:t>Aufgerufen über einen </a:t>
             </a:r>
             <a:r>
-              <a:rPr lang="de-DE" dirty="0" err="1"/>
+              <a:rPr lang="de-DE" dirty="0" err="1">
+                <a:latin typeface="Calibri" panose="020F0502020204030204" pitchFamily="34" charset="0"/>
+                <a:cs typeface="Calibri" panose="020F0502020204030204" pitchFamily="34" charset="0"/>
+              </a:rPr>
               <a:t>cmd</a:t>
             </a:r>
             <a:r>
-              <a:rPr lang="de-DE" dirty="0"/>
+              <a:rPr lang="de-DE" dirty="0">
+                <a:latin typeface="Calibri" panose="020F0502020204030204" pitchFamily="34" charset="0"/>
+                <a:cs typeface="Calibri" panose="020F0502020204030204" pitchFamily="34" charset="0"/>
+              </a:rPr>
               <a:t>-Befehl</a:t>
             </a:r>
           </a:p>
@@ -17037,6 +17113,875 @@
 </p:sld>
 </file>
 
+<file path=ppt/slides/slide4.xml><?xml version="1.0" encoding="utf-8"?>
+<p:sld xmlns:a="http://schemas.openxmlformats.org/drawingml/2006/main" xmlns:r="http://schemas.openxmlformats.org/officeDocument/2006/relationships" xmlns:p="http://schemas.openxmlformats.org/presentationml/2006/main">
+  <p:cSld>
+    <p:spTree>
+      <p:nvGrpSpPr>
+        <p:cNvPr id="1" name=""/>
+        <p:cNvGrpSpPr/>
+        <p:nvPr/>
+      </p:nvGrpSpPr>
+      <p:grpSpPr>
+        <a:xfrm>
+          <a:off x="0" y="0"/>
+          <a:ext cx="0" cy="0"/>
+          <a:chOff x="0" y="0"/>
+          <a:chExt cx="0" cy="0"/>
+        </a:xfrm>
+      </p:grpSpPr>
+      <p:cxnSp>
+        <p:nvCxnSpPr>
+          <p:cNvPr id="24" name="Gerader Verbinder 23">
+            <a:extLst>
+              <a:ext uri="{FF2B5EF4-FFF2-40B4-BE49-F238E27FC236}">
+                <a16:creationId xmlns:a16="http://schemas.microsoft.com/office/drawing/2014/main" id="{8B3892C2-B061-BB02-58F4-4261E26D3B9C}"/>
+              </a:ext>
+            </a:extLst>
+          </p:cNvPr>
+          <p:cNvCxnSpPr>
+            <a:cxnSpLocks/>
+            <a:stCxn id="18" idx="0"/>
+          </p:cNvCxnSpPr>
+          <p:nvPr/>
+        </p:nvCxnSpPr>
+        <p:spPr>
+          <a:xfrm flipH="1" flipV="1">
+            <a:off x="3108960" y="3760967"/>
+            <a:ext cx="676165" cy="680556"/>
+          </a:xfrm>
+          <a:prstGeom prst="line">
+            <a:avLst/>
+          </a:prstGeom>
+          <a:ln w="28575"/>
+        </p:spPr>
+        <p:style>
+          <a:lnRef idx="1">
+            <a:schemeClr val="accent1"/>
+          </a:lnRef>
+          <a:fillRef idx="0">
+            <a:schemeClr val="accent1"/>
+          </a:fillRef>
+          <a:effectRef idx="0">
+            <a:schemeClr val="accent1"/>
+          </a:effectRef>
+          <a:fontRef idx="minor">
+            <a:schemeClr val="tx1"/>
+          </a:fontRef>
+        </p:style>
+      </p:cxnSp>
+      <p:cxnSp>
+        <p:nvCxnSpPr>
+          <p:cNvPr id="23" name="Gerader Verbinder 22">
+            <a:extLst>
+              <a:ext uri="{FF2B5EF4-FFF2-40B4-BE49-F238E27FC236}">
+                <a16:creationId xmlns:a16="http://schemas.microsoft.com/office/drawing/2014/main" id="{3DA2FCED-474C-6588-32A9-3476602E1466}"/>
+              </a:ext>
+            </a:extLst>
+          </p:cNvPr>
+          <p:cNvCxnSpPr>
+            <a:cxnSpLocks/>
+            <a:stCxn id="6" idx="0"/>
+          </p:cNvCxnSpPr>
+          <p:nvPr/>
+        </p:nvCxnSpPr>
+        <p:spPr>
+          <a:xfrm flipV="1">
+            <a:off x="1410430" y="3760967"/>
+            <a:ext cx="696666" cy="680556"/>
+          </a:xfrm>
+          <a:prstGeom prst="line">
+            <a:avLst/>
+          </a:prstGeom>
+          <a:ln w="28575"/>
+        </p:spPr>
+        <p:style>
+          <a:lnRef idx="1">
+            <a:schemeClr val="accent1"/>
+          </a:lnRef>
+          <a:fillRef idx="0">
+            <a:schemeClr val="accent1"/>
+          </a:fillRef>
+          <a:effectRef idx="0">
+            <a:schemeClr val="accent1"/>
+          </a:effectRef>
+          <a:fontRef idx="minor">
+            <a:schemeClr val="tx1"/>
+          </a:fontRef>
+        </p:style>
+      </p:cxnSp>
+      <p:cxnSp>
+        <p:nvCxnSpPr>
+          <p:cNvPr id="35" name="Gerader Verbinder 34">
+            <a:extLst>
+              <a:ext uri="{FF2B5EF4-FFF2-40B4-BE49-F238E27FC236}">
+                <a16:creationId xmlns:a16="http://schemas.microsoft.com/office/drawing/2014/main" id="{0F309602-341E-B433-EDF7-251AA6E8CEB7}"/>
+              </a:ext>
+            </a:extLst>
+          </p:cNvPr>
+          <p:cNvCxnSpPr>
+            <a:cxnSpLocks/>
+            <a:stCxn id="4" idx="0"/>
+            <a:endCxn id="8" idx="4"/>
+          </p:cNvCxnSpPr>
+          <p:nvPr/>
+        </p:nvCxnSpPr>
+        <p:spPr>
+          <a:xfrm flipV="1">
+            <a:off x="2596101" y="2657574"/>
+            <a:ext cx="0" cy="491143"/>
+          </a:xfrm>
+          <a:prstGeom prst="line">
+            <a:avLst/>
+          </a:prstGeom>
+          <a:ln w="28575"/>
+        </p:spPr>
+        <p:style>
+          <a:lnRef idx="1">
+            <a:schemeClr val="accent1"/>
+          </a:lnRef>
+          <a:fillRef idx="0">
+            <a:schemeClr val="accent1"/>
+          </a:fillRef>
+          <a:effectRef idx="0">
+            <a:schemeClr val="accent1"/>
+          </a:effectRef>
+          <a:fontRef idx="minor">
+            <a:schemeClr val="tx1"/>
+          </a:fontRef>
+        </p:style>
+      </p:cxnSp>
+      <p:sp>
+        <p:nvSpPr>
+          <p:cNvPr id="2" name="Titel 1">
+            <a:extLst>
+              <a:ext uri="{FF2B5EF4-FFF2-40B4-BE49-F238E27FC236}">
+                <a16:creationId xmlns:a16="http://schemas.microsoft.com/office/drawing/2014/main" id="{C002C55B-1DE1-5F95-5F7C-0B229796FA3D}"/>
+              </a:ext>
+            </a:extLst>
+          </p:cNvPr>
+          <p:cNvSpPr>
+            <a:spLocks noGrp="1"/>
+          </p:cNvSpPr>
+          <p:nvPr>
+            <p:ph type="title"/>
+          </p:nvPr>
+        </p:nvSpPr>
+        <p:spPr/>
+        <p:txBody>
+          <a:bodyPr/>
+          <a:lstStyle/>
+          <a:p>
+            <a:r>
+              <a:rPr lang="de-DE" dirty="0">
+                <a:latin typeface="Calibri" panose="020F0502020204030204" pitchFamily="34" charset="0"/>
+                <a:cs typeface="Calibri" panose="020F0502020204030204" pitchFamily="34" charset="0"/>
+              </a:rPr>
+              <a:t>ER-Modell</a:t>
+            </a:r>
+          </a:p>
+        </p:txBody>
+      </p:sp>
+      <p:sp>
+        <p:nvSpPr>
+          <p:cNvPr id="4" name="Rechteck 3">
+            <a:extLst>
+              <a:ext uri="{FF2B5EF4-FFF2-40B4-BE49-F238E27FC236}">
+                <a16:creationId xmlns:a16="http://schemas.microsoft.com/office/drawing/2014/main" id="{25526920-E595-C35F-0F42-4B87DB74C39F}"/>
+              </a:ext>
+            </a:extLst>
+          </p:cNvPr>
+          <p:cNvSpPr/>
+          <p:nvPr/>
+        </p:nvSpPr>
+        <p:spPr>
+          <a:xfrm>
+            <a:off x="1804946" y="3148717"/>
+            <a:ext cx="1582310" cy="612250"/>
+          </a:xfrm>
+          <a:prstGeom prst="rect">
+            <a:avLst/>
+          </a:prstGeom>
+        </p:spPr>
+        <p:style>
+          <a:lnRef idx="2">
+            <a:schemeClr val="accent1">
+              <a:shade val="50000"/>
+            </a:schemeClr>
+          </a:lnRef>
+          <a:fillRef idx="1">
+            <a:schemeClr val="accent1"/>
+          </a:fillRef>
+          <a:effectRef idx="0">
+            <a:schemeClr val="accent1"/>
+          </a:effectRef>
+          <a:fontRef idx="minor">
+            <a:schemeClr val="lt1"/>
+          </a:fontRef>
+        </p:style>
+        <p:txBody>
+          <a:bodyPr rtlCol="0" anchor="ctr"/>
+          <a:lstStyle/>
+          <a:p>
+            <a:pPr algn="ctr"/>
+            <a:r>
+              <a:rPr lang="de-DE" sz="2000" dirty="0">
+                <a:latin typeface="Calibri" panose="020F0502020204030204" pitchFamily="34" charset="0"/>
+                <a:cs typeface="Calibri" panose="020F0502020204030204" pitchFamily="34" charset="0"/>
+              </a:rPr>
+              <a:t>Temperatur/ Luftdruck</a:t>
+            </a:r>
+          </a:p>
+        </p:txBody>
+      </p:sp>
+      <p:sp>
+        <p:nvSpPr>
+          <p:cNvPr id="6" name="Ellipse 5">
+            <a:extLst>
+              <a:ext uri="{FF2B5EF4-FFF2-40B4-BE49-F238E27FC236}">
+                <a16:creationId xmlns:a16="http://schemas.microsoft.com/office/drawing/2014/main" id="{8C43D233-BE34-78DC-97C5-56923583281E}"/>
+              </a:ext>
+            </a:extLst>
+          </p:cNvPr>
+          <p:cNvSpPr/>
+          <p:nvPr/>
+        </p:nvSpPr>
+        <p:spPr>
+          <a:xfrm>
+            <a:off x="619275" y="4441523"/>
+            <a:ext cx="1582310" cy="612250"/>
+          </a:xfrm>
+          <a:prstGeom prst="ellipse">
+            <a:avLst/>
+          </a:prstGeom>
+        </p:spPr>
+        <p:style>
+          <a:lnRef idx="2">
+            <a:schemeClr val="accent1">
+              <a:shade val="50000"/>
+            </a:schemeClr>
+          </a:lnRef>
+          <a:fillRef idx="1">
+            <a:schemeClr val="accent1"/>
+          </a:fillRef>
+          <a:effectRef idx="0">
+            <a:schemeClr val="accent1"/>
+          </a:effectRef>
+          <a:fontRef idx="minor">
+            <a:schemeClr val="lt1"/>
+          </a:fontRef>
+        </p:style>
+        <p:txBody>
+          <a:bodyPr rtlCol="0" anchor="ctr"/>
+          <a:lstStyle/>
+          <a:p>
+            <a:pPr algn="ctr"/>
+            <a:endParaRPr lang="de-DE" sz="1400" dirty="0">
+              <a:latin typeface="Calibri" panose="020F0502020204030204" pitchFamily="34" charset="0"/>
+              <a:cs typeface="Calibri" panose="020F0502020204030204" pitchFamily="34" charset="0"/>
+            </a:endParaRPr>
+          </a:p>
+        </p:txBody>
+      </p:sp>
+      <p:sp>
+        <p:nvSpPr>
+          <p:cNvPr id="8" name="Ellipse 7">
+            <a:extLst>
+              <a:ext uri="{FF2B5EF4-FFF2-40B4-BE49-F238E27FC236}">
+                <a16:creationId xmlns:a16="http://schemas.microsoft.com/office/drawing/2014/main" id="{E8B0FDEB-3EBF-AE4D-26F1-4FFE1E1BD9C9}"/>
+              </a:ext>
+            </a:extLst>
+          </p:cNvPr>
+          <p:cNvSpPr/>
+          <p:nvPr/>
+        </p:nvSpPr>
+        <p:spPr>
+          <a:xfrm>
+            <a:off x="1804946" y="2045324"/>
+            <a:ext cx="1582310" cy="612250"/>
+          </a:xfrm>
+          <a:prstGeom prst="ellipse">
+            <a:avLst/>
+          </a:prstGeom>
+        </p:spPr>
+        <p:style>
+          <a:lnRef idx="2">
+            <a:schemeClr val="accent1">
+              <a:shade val="50000"/>
+            </a:schemeClr>
+          </a:lnRef>
+          <a:fillRef idx="1">
+            <a:schemeClr val="accent1"/>
+          </a:fillRef>
+          <a:effectRef idx="0">
+            <a:schemeClr val="accent1"/>
+          </a:effectRef>
+          <a:fontRef idx="minor">
+            <a:schemeClr val="lt1"/>
+          </a:fontRef>
+        </p:style>
+        <p:txBody>
+          <a:bodyPr rtlCol="0" anchor="ctr"/>
+          <a:lstStyle/>
+          <a:p>
+            <a:pPr algn="ctr"/>
+            <a:endParaRPr lang="de-DE" sz="1600" dirty="0">
+              <a:latin typeface="Calibri" panose="020F0502020204030204" pitchFamily="34" charset="0"/>
+              <a:cs typeface="Calibri" panose="020F0502020204030204" pitchFamily="34" charset="0"/>
+            </a:endParaRPr>
+          </a:p>
+        </p:txBody>
+      </p:sp>
+      <p:sp>
+        <p:nvSpPr>
+          <p:cNvPr id="18" name="Ellipse 17">
+            <a:extLst>
+              <a:ext uri="{FF2B5EF4-FFF2-40B4-BE49-F238E27FC236}">
+                <a16:creationId xmlns:a16="http://schemas.microsoft.com/office/drawing/2014/main" id="{012D8048-148C-E2D8-2006-F258046EDED0}"/>
+              </a:ext>
+            </a:extLst>
+          </p:cNvPr>
+          <p:cNvSpPr/>
+          <p:nvPr/>
+        </p:nvSpPr>
+        <p:spPr>
+          <a:xfrm flipH="1">
+            <a:off x="2993970" y="4441523"/>
+            <a:ext cx="1582310" cy="612250"/>
+          </a:xfrm>
+          <a:prstGeom prst="ellipse">
+            <a:avLst/>
+          </a:prstGeom>
+        </p:spPr>
+        <p:style>
+          <a:lnRef idx="2">
+            <a:schemeClr val="accent1">
+              <a:shade val="50000"/>
+            </a:schemeClr>
+          </a:lnRef>
+          <a:fillRef idx="1">
+            <a:schemeClr val="accent1"/>
+          </a:fillRef>
+          <a:effectRef idx="0">
+            <a:schemeClr val="accent1"/>
+          </a:effectRef>
+          <a:fontRef idx="minor">
+            <a:schemeClr val="lt1"/>
+          </a:fontRef>
+        </p:style>
+        <p:txBody>
+          <a:bodyPr rtlCol="0" anchor="ctr"/>
+          <a:lstStyle/>
+          <a:p>
+            <a:pPr algn="ctr"/>
+            <a:r>
+              <a:rPr lang="de-DE" sz="2000" dirty="0" err="1">
+                <a:latin typeface="Calibri" panose="020F0502020204030204" pitchFamily="34" charset="0"/>
+                <a:cs typeface="Calibri" panose="020F0502020204030204" pitchFamily="34" charset="0"/>
+              </a:rPr>
+              <a:t>humidity</a:t>
+            </a:r>
+            <a:endParaRPr lang="de-DE" sz="1400" dirty="0">
+              <a:latin typeface="Calibri" panose="020F0502020204030204" pitchFamily="34" charset="0"/>
+              <a:cs typeface="Calibri" panose="020F0502020204030204" pitchFamily="34" charset="0"/>
+            </a:endParaRPr>
+          </a:p>
+        </p:txBody>
+      </p:sp>
+      <p:sp>
+        <p:nvSpPr>
+          <p:cNvPr id="20" name="Textfeld 19">
+            <a:extLst>
+              <a:ext uri="{FF2B5EF4-FFF2-40B4-BE49-F238E27FC236}">
+                <a16:creationId xmlns:a16="http://schemas.microsoft.com/office/drawing/2014/main" id="{DC352B4C-7781-5FD3-1372-297FF24FE63F}"/>
+              </a:ext>
+            </a:extLst>
+          </p:cNvPr>
+          <p:cNvSpPr txBox="1"/>
+          <p:nvPr/>
+        </p:nvSpPr>
+        <p:spPr>
+          <a:xfrm>
+            <a:off x="1804946" y="2145944"/>
+            <a:ext cx="1582311" cy="400110"/>
+          </a:xfrm>
+          <a:prstGeom prst="rect">
+            <a:avLst/>
+          </a:prstGeom>
+          <a:noFill/>
+        </p:spPr>
+        <p:txBody>
+          <a:bodyPr wrap="square" rtlCol="0">
+            <a:spAutoFit/>
+          </a:bodyPr>
+          <a:lstStyle/>
+          <a:p>
+            <a:pPr algn="ctr"/>
+            <a:r>
+              <a:rPr lang="de-DE" sz="2000" u="sng" dirty="0" err="1">
+                <a:solidFill>
+                  <a:schemeClr val="bg1"/>
+                </a:solidFill>
+                <a:latin typeface="Calibri" panose="020F0502020204030204" pitchFamily="34" charset="0"/>
+                <a:cs typeface="Calibri" panose="020F0502020204030204" pitchFamily="34" charset="0"/>
+              </a:rPr>
+              <a:t>timestamp</a:t>
+            </a:r>
+            <a:endParaRPr lang="de-DE" sz="2000" u="sng" dirty="0">
+              <a:solidFill>
+                <a:schemeClr val="bg1"/>
+              </a:solidFill>
+              <a:latin typeface="Calibri" panose="020F0502020204030204" pitchFamily="34" charset="0"/>
+              <a:cs typeface="Calibri" panose="020F0502020204030204" pitchFamily="34" charset="0"/>
+            </a:endParaRPr>
+          </a:p>
+        </p:txBody>
+      </p:sp>
+      <p:sp>
+        <p:nvSpPr>
+          <p:cNvPr id="21" name="Textfeld 20">
+            <a:extLst>
+              <a:ext uri="{FF2B5EF4-FFF2-40B4-BE49-F238E27FC236}">
+                <a16:creationId xmlns:a16="http://schemas.microsoft.com/office/drawing/2014/main" id="{56301731-3682-3CEE-AD78-9EA447E02DFC}"/>
+              </a:ext>
+            </a:extLst>
+          </p:cNvPr>
+          <p:cNvSpPr txBox="1"/>
+          <p:nvPr/>
+        </p:nvSpPr>
+        <p:spPr>
+          <a:xfrm>
+            <a:off x="619275" y="4551363"/>
+            <a:ext cx="1582311" cy="400110"/>
+          </a:xfrm>
+          <a:prstGeom prst="rect">
+            <a:avLst/>
+          </a:prstGeom>
+          <a:noFill/>
+        </p:spPr>
+        <p:txBody>
+          <a:bodyPr wrap="square" rtlCol="0">
+            <a:spAutoFit/>
+          </a:bodyPr>
+          <a:lstStyle/>
+          <a:p>
+            <a:pPr algn="ctr"/>
+            <a:r>
+              <a:rPr lang="de-DE" sz="2000" dirty="0" err="1">
+                <a:solidFill>
+                  <a:schemeClr val="bg1"/>
+                </a:solidFill>
+                <a:latin typeface="Calibri" panose="020F0502020204030204" pitchFamily="34" charset="0"/>
+                <a:cs typeface="Calibri" panose="020F0502020204030204" pitchFamily="34" charset="0"/>
+              </a:rPr>
+              <a:t>temperature</a:t>
+            </a:r>
+            <a:endParaRPr lang="de-DE" sz="2000" dirty="0">
+              <a:solidFill>
+                <a:schemeClr val="bg1"/>
+              </a:solidFill>
+              <a:latin typeface="Calibri" panose="020F0502020204030204" pitchFamily="34" charset="0"/>
+              <a:cs typeface="Calibri" panose="020F0502020204030204" pitchFamily="34" charset="0"/>
+            </a:endParaRPr>
+          </a:p>
+        </p:txBody>
+      </p:sp>
+      <p:cxnSp>
+        <p:nvCxnSpPr>
+          <p:cNvPr id="38" name="Gerader Verbinder 37">
+            <a:extLst>
+              <a:ext uri="{FF2B5EF4-FFF2-40B4-BE49-F238E27FC236}">
+                <a16:creationId xmlns:a16="http://schemas.microsoft.com/office/drawing/2014/main" id="{700A2D65-1DC1-262A-0481-0175EEF7B0F2}"/>
+              </a:ext>
+            </a:extLst>
+          </p:cNvPr>
+          <p:cNvCxnSpPr>
+            <a:cxnSpLocks/>
+            <a:stCxn id="44" idx="0"/>
+          </p:cNvCxnSpPr>
+          <p:nvPr/>
+        </p:nvCxnSpPr>
+        <p:spPr>
+          <a:xfrm flipH="1" flipV="1">
+            <a:off x="7730710" y="3755517"/>
+            <a:ext cx="676165" cy="680556"/>
+          </a:xfrm>
+          <a:prstGeom prst="line">
+            <a:avLst/>
+          </a:prstGeom>
+          <a:ln w="28575"/>
+        </p:spPr>
+        <p:style>
+          <a:lnRef idx="1">
+            <a:schemeClr val="accent1"/>
+          </a:lnRef>
+          <a:fillRef idx="0">
+            <a:schemeClr val="accent1"/>
+          </a:fillRef>
+          <a:effectRef idx="0">
+            <a:schemeClr val="accent1"/>
+          </a:effectRef>
+          <a:fontRef idx="minor">
+            <a:schemeClr val="tx1"/>
+          </a:fontRef>
+        </p:style>
+      </p:cxnSp>
+      <p:cxnSp>
+        <p:nvCxnSpPr>
+          <p:cNvPr id="39" name="Gerader Verbinder 38">
+            <a:extLst>
+              <a:ext uri="{FF2B5EF4-FFF2-40B4-BE49-F238E27FC236}">
+                <a16:creationId xmlns:a16="http://schemas.microsoft.com/office/drawing/2014/main" id="{0AC7864C-8EA5-00EF-C70D-91915BF40FF6}"/>
+              </a:ext>
+            </a:extLst>
+          </p:cNvPr>
+          <p:cNvCxnSpPr>
+            <a:cxnSpLocks/>
+            <a:stCxn id="42" idx="0"/>
+          </p:cNvCxnSpPr>
+          <p:nvPr/>
+        </p:nvCxnSpPr>
+        <p:spPr>
+          <a:xfrm flipV="1">
+            <a:off x="6032180" y="3755517"/>
+            <a:ext cx="696666" cy="680556"/>
+          </a:xfrm>
+          <a:prstGeom prst="line">
+            <a:avLst/>
+          </a:prstGeom>
+          <a:ln w="28575"/>
+        </p:spPr>
+        <p:style>
+          <a:lnRef idx="1">
+            <a:schemeClr val="accent1"/>
+          </a:lnRef>
+          <a:fillRef idx="0">
+            <a:schemeClr val="accent1"/>
+          </a:fillRef>
+          <a:effectRef idx="0">
+            <a:schemeClr val="accent1"/>
+          </a:effectRef>
+          <a:fontRef idx="minor">
+            <a:schemeClr val="tx1"/>
+          </a:fontRef>
+        </p:style>
+      </p:cxnSp>
+      <p:cxnSp>
+        <p:nvCxnSpPr>
+          <p:cNvPr id="40" name="Gerader Verbinder 39">
+            <a:extLst>
+              <a:ext uri="{FF2B5EF4-FFF2-40B4-BE49-F238E27FC236}">
+                <a16:creationId xmlns:a16="http://schemas.microsoft.com/office/drawing/2014/main" id="{A5C9D5CA-C3B2-713C-D5B9-DC602F6F1B58}"/>
+              </a:ext>
+            </a:extLst>
+          </p:cNvPr>
+          <p:cNvCxnSpPr>
+            <a:cxnSpLocks/>
+            <a:stCxn id="41" idx="0"/>
+            <a:endCxn id="43" idx="4"/>
+          </p:cNvCxnSpPr>
+          <p:nvPr/>
+        </p:nvCxnSpPr>
+        <p:spPr>
+          <a:xfrm flipV="1">
+            <a:off x="7217851" y="2652124"/>
+            <a:ext cx="0" cy="491143"/>
+          </a:xfrm>
+          <a:prstGeom prst="line">
+            <a:avLst/>
+          </a:prstGeom>
+          <a:ln w="28575"/>
+        </p:spPr>
+        <p:style>
+          <a:lnRef idx="1">
+            <a:schemeClr val="accent1"/>
+          </a:lnRef>
+          <a:fillRef idx="0">
+            <a:schemeClr val="accent1"/>
+          </a:fillRef>
+          <a:effectRef idx="0">
+            <a:schemeClr val="accent1"/>
+          </a:effectRef>
+          <a:fontRef idx="minor">
+            <a:schemeClr val="tx1"/>
+          </a:fontRef>
+        </p:style>
+      </p:cxnSp>
+      <p:sp>
+        <p:nvSpPr>
+          <p:cNvPr id="41" name="Rechteck 40">
+            <a:extLst>
+              <a:ext uri="{FF2B5EF4-FFF2-40B4-BE49-F238E27FC236}">
+                <a16:creationId xmlns:a16="http://schemas.microsoft.com/office/drawing/2014/main" id="{10B8F2A0-3442-09A8-67B8-BBF7EBB01CCC}"/>
+              </a:ext>
+            </a:extLst>
+          </p:cNvPr>
+          <p:cNvSpPr/>
+          <p:nvPr/>
+        </p:nvSpPr>
+        <p:spPr>
+          <a:xfrm>
+            <a:off x="6426696" y="3143267"/>
+            <a:ext cx="1582310" cy="612250"/>
+          </a:xfrm>
+          <a:prstGeom prst="rect">
+            <a:avLst/>
+          </a:prstGeom>
+        </p:spPr>
+        <p:style>
+          <a:lnRef idx="2">
+            <a:schemeClr val="accent1">
+              <a:shade val="50000"/>
+            </a:schemeClr>
+          </a:lnRef>
+          <a:fillRef idx="1">
+            <a:schemeClr val="accent1"/>
+          </a:fillRef>
+          <a:effectRef idx="0">
+            <a:schemeClr val="accent1"/>
+          </a:effectRef>
+          <a:fontRef idx="minor">
+            <a:schemeClr val="lt1"/>
+          </a:fontRef>
+        </p:style>
+        <p:txBody>
+          <a:bodyPr rtlCol="0" anchor="ctr"/>
+          <a:lstStyle/>
+          <a:p>
+            <a:pPr algn="ctr"/>
+            <a:r>
+              <a:rPr lang="de-DE" sz="2000" dirty="0">
+                <a:latin typeface="Calibri" panose="020F0502020204030204" pitchFamily="34" charset="0"/>
+                <a:cs typeface="Calibri" panose="020F0502020204030204" pitchFamily="34" charset="0"/>
+              </a:rPr>
+              <a:t>Feinstaub</a:t>
+            </a:r>
+          </a:p>
+        </p:txBody>
+      </p:sp>
+      <p:sp>
+        <p:nvSpPr>
+          <p:cNvPr id="42" name="Ellipse 41">
+            <a:extLst>
+              <a:ext uri="{FF2B5EF4-FFF2-40B4-BE49-F238E27FC236}">
+                <a16:creationId xmlns:a16="http://schemas.microsoft.com/office/drawing/2014/main" id="{5B090CB6-A6AA-9D4A-F530-1CBF50733D13}"/>
+              </a:ext>
+            </a:extLst>
+          </p:cNvPr>
+          <p:cNvSpPr/>
+          <p:nvPr/>
+        </p:nvSpPr>
+        <p:spPr>
+          <a:xfrm>
+            <a:off x="5241025" y="4436073"/>
+            <a:ext cx="1582310" cy="612250"/>
+          </a:xfrm>
+          <a:prstGeom prst="ellipse">
+            <a:avLst/>
+          </a:prstGeom>
+        </p:spPr>
+        <p:style>
+          <a:lnRef idx="2">
+            <a:schemeClr val="accent1">
+              <a:shade val="50000"/>
+            </a:schemeClr>
+          </a:lnRef>
+          <a:fillRef idx="1">
+            <a:schemeClr val="accent1"/>
+          </a:fillRef>
+          <a:effectRef idx="0">
+            <a:schemeClr val="accent1"/>
+          </a:effectRef>
+          <a:fontRef idx="minor">
+            <a:schemeClr val="lt1"/>
+          </a:fontRef>
+        </p:style>
+        <p:txBody>
+          <a:bodyPr rtlCol="0" anchor="ctr"/>
+          <a:lstStyle/>
+          <a:p>
+            <a:pPr algn="ctr"/>
+            <a:r>
+              <a:rPr lang="de-DE" sz="2000" dirty="0">
+                <a:latin typeface="Calibri" panose="020F0502020204030204" pitchFamily="34" charset="0"/>
+                <a:cs typeface="Calibri" panose="020F0502020204030204" pitchFamily="34" charset="0"/>
+              </a:rPr>
+              <a:t>P1</a:t>
+            </a:r>
+            <a:endParaRPr lang="de-DE" sz="1400" dirty="0">
+              <a:latin typeface="Calibri" panose="020F0502020204030204" pitchFamily="34" charset="0"/>
+              <a:cs typeface="Calibri" panose="020F0502020204030204" pitchFamily="34" charset="0"/>
+            </a:endParaRPr>
+          </a:p>
+        </p:txBody>
+      </p:sp>
+      <p:sp>
+        <p:nvSpPr>
+          <p:cNvPr id="43" name="Ellipse 42">
+            <a:extLst>
+              <a:ext uri="{FF2B5EF4-FFF2-40B4-BE49-F238E27FC236}">
+                <a16:creationId xmlns:a16="http://schemas.microsoft.com/office/drawing/2014/main" id="{52A1E11B-C4C9-7F97-E0AD-6E46664917AC}"/>
+              </a:ext>
+            </a:extLst>
+          </p:cNvPr>
+          <p:cNvSpPr/>
+          <p:nvPr/>
+        </p:nvSpPr>
+        <p:spPr>
+          <a:xfrm>
+            <a:off x="6426696" y="2039874"/>
+            <a:ext cx="1582310" cy="612250"/>
+          </a:xfrm>
+          <a:prstGeom prst="ellipse">
+            <a:avLst/>
+          </a:prstGeom>
+        </p:spPr>
+        <p:style>
+          <a:lnRef idx="2">
+            <a:schemeClr val="accent1">
+              <a:shade val="50000"/>
+            </a:schemeClr>
+          </a:lnRef>
+          <a:fillRef idx="1">
+            <a:schemeClr val="accent1"/>
+          </a:fillRef>
+          <a:effectRef idx="0">
+            <a:schemeClr val="accent1"/>
+          </a:effectRef>
+          <a:fontRef idx="minor">
+            <a:schemeClr val="lt1"/>
+          </a:fontRef>
+        </p:style>
+        <p:txBody>
+          <a:bodyPr rtlCol="0" anchor="ctr"/>
+          <a:lstStyle/>
+          <a:p>
+            <a:pPr algn="ctr"/>
+            <a:endParaRPr lang="de-DE" sz="1600" dirty="0">
+              <a:latin typeface="Calibri" panose="020F0502020204030204" pitchFamily="34" charset="0"/>
+              <a:cs typeface="Calibri" panose="020F0502020204030204" pitchFamily="34" charset="0"/>
+            </a:endParaRPr>
+          </a:p>
+        </p:txBody>
+      </p:sp>
+      <p:sp>
+        <p:nvSpPr>
+          <p:cNvPr id="44" name="Ellipse 43">
+            <a:extLst>
+              <a:ext uri="{FF2B5EF4-FFF2-40B4-BE49-F238E27FC236}">
+                <a16:creationId xmlns:a16="http://schemas.microsoft.com/office/drawing/2014/main" id="{6463B4D7-A49F-C675-00F3-93B6177E5BA3}"/>
+              </a:ext>
+            </a:extLst>
+          </p:cNvPr>
+          <p:cNvSpPr/>
+          <p:nvPr/>
+        </p:nvSpPr>
+        <p:spPr>
+          <a:xfrm flipH="1">
+            <a:off x="7615720" y="4436073"/>
+            <a:ext cx="1582310" cy="612250"/>
+          </a:xfrm>
+          <a:prstGeom prst="ellipse">
+            <a:avLst/>
+          </a:prstGeom>
+        </p:spPr>
+        <p:style>
+          <a:lnRef idx="2">
+            <a:schemeClr val="accent1">
+              <a:shade val="50000"/>
+            </a:schemeClr>
+          </a:lnRef>
+          <a:fillRef idx="1">
+            <a:schemeClr val="accent1"/>
+          </a:fillRef>
+          <a:effectRef idx="0">
+            <a:schemeClr val="accent1"/>
+          </a:effectRef>
+          <a:fontRef idx="minor">
+            <a:schemeClr val="lt1"/>
+          </a:fontRef>
+        </p:style>
+        <p:txBody>
+          <a:bodyPr rtlCol="0" anchor="ctr"/>
+          <a:lstStyle/>
+          <a:p>
+            <a:pPr algn="ctr"/>
+            <a:r>
+              <a:rPr lang="de-DE" sz="2000" dirty="0">
+                <a:latin typeface="Calibri" panose="020F0502020204030204" pitchFamily="34" charset="0"/>
+                <a:cs typeface="Calibri" panose="020F0502020204030204" pitchFamily="34" charset="0"/>
+              </a:rPr>
+              <a:t>P2</a:t>
+            </a:r>
+            <a:endParaRPr lang="de-DE" sz="1400" dirty="0">
+              <a:latin typeface="Calibri" panose="020F0502020204030204" pitchFamily="34" charset="0"/>
+              <a:cs typeface="Calibri" panose="020F0502020204030204" pitchFamily="34" charset="0"/>
+            </a:endParaRPr>
+          </a:p>
+        </p:txBody>
+      </p:sp>
+      <p:sp>
+        <p:nvSpPr>
+          <p:cNvPr id="45" name="Textfeld 44">
+            <a:extLst>
+              <a:ext uri="{FF2B5EF4-FFF2-40B4-BE49-F238E27FC236}">
+                <a16:creationId xmlns:a16="http://schemas.microsoft.com/office/drawing/2014/main" id="{129B1A2C-5E6E-DDCF-BD8E-AA748B05DFF9}"/>
+              </a:ext>
+            </a:extLst>
+          </p:cNvPr>
+          <p:cNvSpPr txBox="1"/>
+          <p:nvPr/>
+        </p:nvSpPr>
+        <p:spPr>
+          <a:xfrm>
+            <a:off x="6426695" y="2145944"/>
+            <a:ext cx="1582311" cy="400110"/>
+          </a:xfrm>
+          <a:prstGeom prst="rect">
+            <a:avLst/>
+          </a:prstGeom>
+          <a:noFill/>
+        </p:spPr>
+        <p:txBody>
+          <a:bodyPr wrap="square" rtlCol="0">
+            <a:spAutoFit/>
+          </a:bodyPr>
+          <a:lstStyle/>
+          <a:p>
+            <a:pPr algn="ctr"/>
+            <a:r>
+              <a:rPr lang="de-DE" sz="2000" u="sng" dirty="0" err="1">
+                <a:solidFill>
+                  <a:schemeClr val="bg1"/>
+                </a:solidFill>
+                <a:latin typeface="Calibri" panose="020F0502020204030204" pitchFamily="34" charset="0"/>
+                <a:cs typeface="Calibri" panose="020F0502020204030204" pitchFamily="34" charset="0"/>
+              </a:rPr>
+              <a:t>timestamp</a:t>
+            </a:r>
+            <a:endParaRPr lang="de-DE" sz="2000" u="sng" dirty="0">
+              <a:solidFill>
+                <a:schemeClr val="bg1"/>
+              </a:solidFill>
+              <a:latin typeface="Calibri" panose="020F0502020204030204" pitchFamily="34" charset="0"/>
+              <a:cs typeface="Calibri" panose="020F0502020204030204" pitchFamily="34" charset="0"/>
+            </a:endParaRPr>
+          </a:p>
+        </p:txBody>
+      </p:sp>
+    </p:spTree>
+    <p:extLst>
+      <p:ext uri="{BB962C8B-B14F-4D97-AF65-F5344CB8AC3E}">
+        <p14:creationId xmlns:p14="http://schemas.microsoft.com/office/powerpoint/2010/main" val="2803938274"/>
+      </p:ext>
+    </p:extLst>
+  </p:cSld>
+  <p:clrMapOvr>
+    <a:masterClrMapping/>
+  </p:clrMapOvr>
+</p:sld>
+</file>
+
 <file path=ppt/slides/slide5.xml><?xml version="1.0" encoding="utf-8"?>
 <p:sld xmlns:a="http://schemas.openxmlformats.org/drawingml/2006/main" xmlns:r="http://schemas.openxmlformats.org/officeDocument/2006/relationships" xmlns:p="http://schemas.openxmlformats.org/presentationml/2006/main">
   <p:cSld>
@@ -17078,7 +18023,10 @@
           <a:lstStyle/>
           <a:p>
             <a:r>
-              <a:rPr lang="de-DE" dirty="0"/>
+              <a:rPr lang="de-DE" dirty="0">
+                <a:latin typeface="Calibri" panose="020F0502020204030204" pitchFamily="34" charset="0"/>
+                <a:cs typeface="Calibri" panose="020F0502020204030204" pitchFamily="34" charset="0"/>
+              </a:rPr>
               <a:t>Datenbank</a:t>
             </a:r>
           </a:p>
@@ -17106,14 +18054,23 @@
           <a:lstStyle/>
           <a:p>
             <a:r>
-              <a:rPr lang="de-DE" dirty="0" err="1"/>
+              <a:rPr lang="de-DE" dirty="0" err="1">
+                <a:latin typeface="Calibri" panose="020F0502020204030204" pitchFamily="34" charset="0"/>
+                <a:cs typeface="Calibri" panose="020F0502020204030204" pitchFamily="34" charset="0"/>
+              </a:rPr>
               <a:t>DataGrip</a:t>
             </a:r>
-            <a:endParaRPr lang="de-DE" dirty="0"/>
+            <a:endParaRPr lang="de-DE" dirty="0">
+              <a:latin typeface="Calibri" panose="020F0502020204030204" pitchFamily="34" charset="0"/>
+              <a:cs typeface="Calibri" panose="020F0502020204030204" pitchFamily="34" charset="0"/>
+            </a:endParaRPr>
           </a:p>
           <a:p>
             <a:r>
-              <a:rPr lang="de-DE" dirty="0"/>
+              <a:rPr lang="de-DE" dirty="0">
+                <a:latin typeface="Calibri" panose="020F0502020204030204" pitchFamily="34" charset="0"/>
+                <a:cs typeface="Calibri" panose="020F0502020204030204" pitchFamily="34" charset="0"/>
+              </a:rPr>
               <a:t>SQLite</a:t>
             </a:r>
           </a:p>
@@ -17350,6 +18307,110 @@
           </a:prstGeom>
         </p:spPr>
       </p:pic>
+      <p:sp>
+        <p:nvSpPr>
+          <p:cNvPr id="2" name="Ellipse 1">
+            <a:extLst>
+              <a:ext uri="{FF2B5EF4-FFF2-40B4-BE49-F238E27FC236}">
+                <a16:creationId xmlns:a16="http://schemas.microsoft.com/office/drawing/2014/main" id="{8211E4D7-8778-C3A5-2E07-6959B55D66BB}"/>
+              </a:ext>
+            </a:extLst>
+          </p:cNvPr>
+          <p:cNvSpPr/>
+          <p:nvPr/>
+        </p:nvSpPr>
+        <p:spPr>
+          <a:xfrm>
+            <a:off x="935699" y="246490"/>
+            <a:ext cx="1894966" cy="500933"/>
+          </a:xfrm>
+          <a:prstGeom prst="ellipse">
+            <a:avLst/>
+          </a:prstGeom>
+          <a:noFill/>
+          <a:ln w="76200">
+            <a:solidFill>
+              <a:srgbClr val="FF0000"/>
+            </a:solidFill>
+          </a:ln>
+        </p:spPr>
+        <p:style>
+          <a:lnRef idx="2">
+            <a:schemeClr val="accent1">
+              <a:shade val="50000"/>
+            </a:schemeClr>
+          </a:lnRef>
+          <a:fillRef idx="1">
+            <a:schemeClr val="accent1"/>
+          </a:fillRef>
+          <a:effectRef idx="0">
+            <a:schemeClr val="accent1"/>
+          </a:effectRef>
+          <a:fontRef idx="minor">
+            <a:schemeClr val="lt1"/>
+          </a:fontRef>
+        </p:style>
+        <p:txBody>
+          <a:bodyPr rtlCol="0" anchor="ctr"/>
+          <a:lstStyle/>
+          <a:p>
+            <a:pPr algn="ctr"/>
+            <a:endParaRPr lang="de-DE"/>
+          </a:p>
+        </p:txBody>
+      </p:sp>
+      <p:sp>
+        <p:nvSpPr>
+          <p:cNvPr id="3" name="Ellipse 2">
+            <a:extLst>
+              <a:ext uri="{FF2B5EF4-FFF2-40B4-BE49-F238E27FC236}">
+                <a16:creationId xmlns:a16="http://schemas.microsoft.com/office/drawing/2014/main" id="{DA26E421-4445-2A60-A2D6-E96273A03ED7}"/>
+              </a:ext>
+            </a:extLst>
+          </p:cNvPr>
+          <p:cNvSpPr/>
+          <p:nvPr/>
+        </p:nvSpPr>
+        <p:spPr>
+          <a:xfrm>
+            <a:off x="5784619" y="246489"/>
+            <a:ext cx="1894966" cy="500933"/>
+          </a:xfrm>
+          <a:prstGeom prst="ellipse">
+            <a:avLst/>
+          </a:prstGeom>
+          <a:noFill/>
+          <a:ln w="76200">
+            <a:solidFill>
+              <a:srgbClr val="FF0000"/>
+            </a:solidFill>
+          </a:ln>
+        </p:spPr>
+        <p:style>
+          <a:lnRef idx="2">
+            <a:schemeClr val="accent1">
+              <a:shade val="50000"/>
+            </a:schemeClr>
+          </a:lnRef>
+          <a:fillRef idx="1">
+            <a:schemeClr val="accent1"/>
+          </a:fillRef>
+          <a:effectRef idx="0">
+            <a:schemeClr val="accent1"/>
+          </a:effectRef>
+          <a:fontRef idx="minor">
+            <a:schemeClr val="lt1"/>
+          </a:fontRef>
+        </p:style>
+        <p:txBody>
+          <a:bodyPr rtlCol="0" anchor="ctr"/>
+          <a:lstStyle/>
+          <a:p>
+            <a:pPr algn="ctr"/>
+            <a:endParaRPr lang="de-DE"/>
+          </a:p>
+        </p:txBody>
+      </p:sp>
     </p:spTree>
     <p:extLst>
       <p:ext uri="{BB962C8B-B14F-4D97-AF65-F5344CB8AC3E}">
@@ -17404,7 +18465,10 @@
           <a:lstStyle/>
           <a:p>
             <a:r>
-              <a:rPr lang="de-DE" dirty="0"/>
+              <a:rPr lang="de-DE" dirty="0">
+                <a:latin typeface="Calibri" panose="020F0502020204030204" pitchFamily="34" charset="0"/>
+                <a:cs typeface="Calibri" panose="020F0502020204030204" pitchFamily="34" charset="0"/>
+              </a:rPr>
               <a:t>Python</a:t>
             </a:r>
           </a:p>
@@ -17434,7 +18498,10 @@
             <a:pPr marL="0" indent="0">
               <a:buNone/>
             </a:pPr>
-            <a:endParaRPr lang="de-DE" dirty="0"/>
+            <a:endParaRPr lang="de-DE" dirty="0">
+              <a:latin typeface="Calibri" panose="020F0502020204030204" pitchFamily="34" charset="0"/>
+              <a:cs typeface="Calibri" panose="020F0502020204030204" pitchFamily="34" charset="0"/>
+            </a:endParaRPr>
           </a:p>
         </p:txBody>
       </p:sp>
@@ -17642,7 +18709,10 @@
           <a:lstStyle/>
           <a:p>
             <a:r>
-              <a:rPr lang="de-DE" dirty="0"/>
+              <a:rPr lang="de-DE" dirty="0">
+                <a:latin typeface="Calibri" panose="020F0502020204030204" pitchFamily="34" charset="0"/>
+                <a:cs typeface="Calibri" panose="020F0502020204030204" pitchFamily="34" charset="0"/>
+              </a:rPr>
               <a:t>GUI</a:t>
             </a:r>
           </a:p>
@@ -17670,24 +18740,39 @@
           <a:lstStyle/>
           <a:p>
             <a:r>
-              <a:rPr lang="de-DE" dirty="0"/>
+              <a:rPr lang="de-DE" dirty="0">
+                <a:latin typeface="Calibri" panose="020F0502020204030204" pitchFamily="34" charset="0"/>
+                <a:cs typeface="Calibri" panose="020F0502020204030204" pitchFamily="34" charset="0"/>
+              </a:rPr>
               <a:t>In Python</a:t>
             </a:r>
           </a:p>
           <a:p>
             <a:r>
-              <a:rPr lang="de-DE" dirty="0"/>
+              <a:rPr lang="de-DE" dirty="0">
+                <a:latin typeface="Calibri" panose="020F0502020204030204" pitchFamily="34" charset="0"/>
+                <a:cs typeface="Calibri" panose="020F0502020204030204" pitchFamily="34" charset="0"/>
+              </a:rPr>
               <a:t>Mit </a:t>
             </a:r>
             <a:r>
-              <a:rPr lang="de-DE" dirty="0" err="1"/>
+              <a:rPr lang="de-DE" dirty="0" err="1">
+                <a:latin typeface="Calibri" panose="020F0502020204030204" pitchFamily="34" charset="0"/>
+                <a:cs typeface="Calibri" panose="020F0502020204030204" pitchFamily="34" charset="0"/>
+              </a:rPr>
               <a:t>Tkinter</a:t>
             </a:r>
-            <a:endParaRPr lang="de-DE" dirty="0"/>
+            <a:endParaRPr lang="de-DE" dirty="0">
+              <a:latin typeface="Calibri" panose="020F0502020204030204" pitchFamily="34" charset="0"/>
+              <a:cs typeface="Calibri" panose="020F0502020204030204" pitchFamily="34" charset="0"/>
+            </a:endParaRPr>
           </a:p>
           <a:p>
             <a:r>
-              <a:rPr lang="de-DE" dirty="0"/>
+              <a:rPr lang="de-DE" dirty="0">
+                <a:latin typeface="Calibri" panose="020F0502020204030204" pitchFamily="34" charset="0"/>
+                <a:cs typeface="Calibri" panose="020F0502020204030204" pitchFamily="34" charset="0"/>
+              </a:rPr>
               <a:t>Erst klein…</a:t>
             </a:r>
           </a:p>
@@ -17779,7 +18864,10 @@
           <a:lstStyle/>
           <a:p>
             <a:pPr algn="ctr"/>
-            <a:endParaRPr lang="de-DE"/>
+            <a:endParaRPr lang="de-DE">
+              <a:latin typeface="Calibri" panose="020F0502020204030204" pitchFamily="34" charset="0"/>
+              <a:cs typeface="Calibri" panose="020F0502020204030204" pitchFamily="34" charset="0"/>
+            </a:endParaRPr>
           </a:p>
         </p:txBody>
       </p:sp>

--- a/Documentation/Abschlusspräsentation.pptx
+++ b/Documentation/Abschlusspräsentation.pptx
@@ -2315,7 +2315,7 @@
             <a:fld id="{A5B0A250-5CC0-1746-B209-08E8B0DAE6AF}" type="datetimeFigureOut">
               <a:rPr lang="en-US" smtClean="0"/>
               <a:pPr algn="l"/>
-              <a:t>3/16/2023</a:t>
+              <a:t>4/19/2023</a:t>
             </a:fld>
             <a:endParaRPr lang="en-US" dirty="0"/>
           </a:p>
@@ -3777,7 +3777,7 @@
           <a:p>
             <a:fld id="{A5B0A250-5CC0-1746-B209-08E8B0DAE6AF}" type="datetimeFigureOut">
               <a:rPr lang="en-US" smtClean="0"/>
-              <a:t>3/16/2023</a:t>
+              <a:t>4/19/2023</a:t>
             </a:fld>
             <a:endParaRPr lang="en-US" dirty="0"/>
           </a:p>
@@ -4707,7 +4707,7 @@
           <a:p>
             <a:fld id="{A5B0A250-5CC0-1746-B209-08E8B0DAE6AF}" type="datetimeFigureOut">
               <a:rPr lang="en-US" smtClean="0"/>
-              <a:t>3/16/2023</a:t>
+              <a:t>4/19/2023</a:t>
             </a:fld>
             <a:endParaRPr lang="en-US"/>
           </a:p>
@@ -6164,7 +6164,7 @@
           <a:p>
             <a:fld id="{A5B0A250-5CC0-1746-B209-08E8B0DAE6AF}" type="datetimeFigureOut">
               <a:rPr lang="en-US" smtClean="0"/>
-              <a:t>3/16/2023</a:t>
+              <a:t>4/19/2023</a:t>
             </a:fld>
             <a:endParaRPr lang="en-US" dirty="0"/>
           </a:p>
@@ -8520,7 +8520,7 @@
           <a:p>
             <a:fld id="{A5B0A250-5CC0-1746-B209-08E8B0DAE6AF}" type="datetimeFigureOut">
               <a:rPr lang="en-US" smtClean="0"/>
-              <a:t>3/16/2023</a:t>
+              <a:t>4/19/2023</a:t>
             </a:fld>
             <a:endParaRPr lang="en-US" dirty="0"/>
           </a:p>
@@ -9561,7 +9561,7 @@
           <a:p>
             <a:fld id="{A5B0A250-5CC0-1746-B209-08E8B0DAE6AF}" type="datetimeFigureOut">
               <a:rPr lang="en-US" smtClean="0"/>
-              <a:t>3/16/2023</a:t>
+              <a:t>4/19/2023</a:t>
             </a:fld>
             <a:endParaRPr lang="en-US" dirty="0"/>
           </a:p>
@@ -10774,7 +10774,7 @@
           <a:p>
             <a:fld id="{A5B0A250-5CC0-1746-B209-08E8B0DAE6AF}" type="datetimeFigureOut">
               <a:rPr lang="en-US" smtClean="0"/>
-              <a:t>3/16/2023</a:t>
+              <a:t>4/19/2023</a:t>
             </a:fld>
             <a:endParaRPr lang="en-US" dirty="0"/>
           </a:p>
@@ -11683,7 +11683,7 @@
           <a:p>
             <a:fld id="{A5B0A250-5CC0-1746-B209-08E8B0DAE6AF}" type="datetimeFigureOut">
               <a:rPr lang="en-US" smtClean="0"/>
-              <a:t>3/16/2023</a:t>
+              <a:t>4/19/2023</a:t>
             </a:fld>
             <a:endParaRPr lang="en-US" dirty="0"/>
           </a:p>
@@ -11842,7 +11842,7 @@
             <a:fld id="{A5B0A250-5CC0-1746-B209-08E8B0DAE6AF}" type="datetimeFigureOut">
               <a:rPr lang="en-US" smtClean="0"/>
               <a:pPr/>
-              <a:t>3/16/2023</a:t>
+              <a:t>4/19/2023</a:t>
             </a:fld>
             <a:endParaRPr lang="en-US" dirty="0"/>
           </a:p>
@@ -12825,7 +12825,7 @@
           <a:p>
             <a:fld id="{A5B0A250-5CC0-1746-B209-08E8B0DAE6AF}" type="datetimeFigureOut">
               <a:rPr lang="en-US" smtClean="0"/>
-              <a:t>3/16/2023</a:t>
+              <a:t>4/19/2023</a:t>
             </a:fld>
             <a:endParaRPr lang="en-US" dirty="0"/>
           </a:p>
@@ -13887,7 +13887,7 @@
           <a:p>
             <a:fld id="{A5B0A250-5CC0-1746-B209-08E8B0DAE6AF}" type="datetimeFigureOut">
               <a:rPr lang="en-US" smtClean="0"/>
-              <a:t>3/16/2023</a:t>
+              <a:t>4/19/2023</a:t>
             </a:fld>
             <a:endParaRPr lang="en-US" dirty="0"/>
           </a:p>
@@ -14175,7 +14175,7 @@
             <a:fld id="{A5B0A250-5CC0-1746-B209-08E8B0DAE6AF}" type="datetimeFigureOut">
               <a:rPr lang="en-US" smtClean="0"/>
               <a:pPr/>
-              <a:t>3/16/2023</a:t>
+              <a:t>4/19/2023</a:t>
             </a:fld>
             <a:endParaRPr lang="en-US" dirty="0"/>
           </a:p>
@@ -16100,8 +16100,8 @@
         </p:blipFill>
         <p:spPr>
           <a:xfrm>
-            <a:off x="565149" y="2917403"/>
-            <a:ext cx="10423379" cy="3169708"/>
+            <a:off x="284659" y="2552699"/>
+            <a:ext cx="11622681" cy="3534411"/>
           </a:xfrm>
         </p:spPr>
       </p:pic>
@@ -16121,7 +16121,7 @@
         </p:nvSpPr>
         <p:spPr>
           <a:xfrm>
-            <a:off x="565150" y="2160016"/>
+            <a:off x="565149" y="1580896"/>
             <a:ext cx="7335835" cy="3601212"/>
           </a:xfrm>
           <a:prstGeom prst="rect">
@@ -16335,7 +16335,7 @@
         </p:blipFill>
         <p:spPr>
           <a:xfrm>
-            <a:off x="1378169" y="1958997"/>
+            <a:off x="1378168" y="1379877"/>
             <a:ext cx="2303079" cy="928909"/>
           </a:xfrm>
           <a:prstGeom prst="rect">
@@ -16404,34 +16404,36 @@
           </a:p>
         </p:txBody>
       </p:sp>
-      <p:sp>
-        <p:nvSpPr>
-          <p:cNvPr id="3" name="Inhaltsplatzhalter 2">
+      <p:pic>
+        <p:nvPicPr>
+          <p:cNvPr id="5" name="Grafik 4">
             <a:extLst>
               <a:ext uri="{FF2B5EF4-FFF2-40B4-BE49-F238E27FC236}">
-                <a16:creationId xmlns:a16="http://schemas.microsoft.com/office/drawing/2014/main" id="{DF2A9D64-EDDA-28A0-79AB-B0870282F7D5}"/>
+                <a16:creationId xmlns:a16="http://schemas.microsoft.com/office/drawing/2014/main" id="{4A71B8BD-3466-DCC7-CE24-D9B098B7B7EA}"/>
               </a:ext>
             </a:extLst>
           </p:cNvPr>
-          <p:cNvSpPr>
-            <a:spLocks noGrp="1"/>
-          </p:cNvSpPr>
-          <p:nvPr>
-            <p:ph idx="1"/>
-          </p:nvPr>
-        </p:nvSpPr>
-        <p:spPr/>
-        <p:txBody>
-          <a:bodyPr/>
-          <a:lstStyle/>
-          <a:p>
-            <a:endParaRPr lang="de-DE" dirty="0">
-              <a:latin typeface="Calibri" panose="020F0502020204030204" pitchFamily="34" charset="0"/>
-              <a:cs typeface="Calibri" panose="020F0502020204030204" pitchFamily="34" charset="0"/>
-            </a:endParaRPr>
-          </a:p>
-        </p:txBody>
-      </p:sp>
+          <p:cNvPicPr>
+            <a:picLocks noChangeAspect="1"/>
+          </p:cNvPicPr>
+          <p:nvPr/>
+        </p:nvPicPr>
+        <p:blipFill>
+          <a:blip r:embed="rId2"/>
+          <a:stretch>
+            <a:fillRect/>
+          </a:stretch>
+        </p:blipFill>
+        <p:spPr>
+          <a:xfrm>
+            <a:off x="523581" y="1455420"/>
+            <a:ext cx="9909191" cy="5136032"/>
+          </a:xfrm>
+          <a:prstGeom prst="rect">
+            <a:avLst/>
+          </a:prstGeom>
+        </p:spPr>
+      </p:pic>
     </p:spTree>
     <p:extLst>
       <p:ext uri="{BB962C8B-B14F-4D97-AF65-F5344CB8AC3E}">
@@ -16493,34 +16495,36 @@
           </a:p>
         </p:txBody>
       </p:sp>
-      <p:sp>
-        <p:nvSpPr>
-          <p:cNvPr id="3" name="Inhaltsplatzhalter 2">
+      <p:pic>
+        <p:nvPicPr>
+          <p:cNvPr id="5" name="Grafik 4">
             <a:extLst>
               <a:ext uri="{FF2B5EF4-FFF2-40B4-BE49-F238E27FC236}">
-                <a16:creationId xmlns:a16="http://schemas.microsoft.com/office/drawing/2014/main" id="{7E9EC99D-E853-ADFA-2FEB-81E00C6C0BE4}"/>
+                <a16:creationId xmlns:a16="http://schemas.microsoft.com/office/drawing/2014/main" id="{3BA89BF6-8B5B-0C8F-FDF4-8E9904185CF5}"/>
               </a:ext>
             </a:extLst>
           </p:cNvPr>
-          <p:cNvSpPr>
-            <a:spLocks noGrp="1"/>
-          </p:cNvSpPr>
-          <p:nvPr>
-            <p:ph idx="1"/>
-          </p:nvPr>
-        </p:nvSpPr>
-        <p:spPr/>
-        <p:txBody>
-          <a:bodyPr/>
-          <a:lstStyle/>
-          <a:p>
-            <a:endParaRPr lang="de-DE">
-              <a:latin typeface="Calibri" panose="020F0502020204030204" pitchFamily="34" charset="0"/>
-              <a:cs typeface="Calibri" panose="020F0502020204030204" pitchFamily="34" charset="0"/>
-            </a:endParaRPr>
-          </a:p>
-        </p:txBody>
-      </p:sp>
+          <p:cNvPicPr>
+            <a:picLocks noChangeAspect="1"/>
+          </p:cNvPicPr>
+          <p:nvPr/>
+        </p:nvPicPr>
+        <p:blipFill>
+          <a:blip r:embed="rId2"/>
+          <a:stretch>
+            <a:fillRect/>
+          </a:stretch>
+        </p:blipFill>
+        <p:spPr>
+          <a:xfrm>
+            <a:off x="565150" y="1550512"/>
+            <a:ext cx="9726175" cy="4922678"/>
+          </a:xfrm>
+          <a:prstGeom prst="rect">
+            <a:avLst/>
+          </a:prstGeom>
+        </p:spPr>
+      </p:pic>
     </p:spTree>
     <p:extLst>
       <p:ext uri="{BB962C8B-B14F-4D97-AF65-F5344CB8AC3E}">
@@ -16602,15 +16606,43 @@
             <p:ph idx="1"/>
           </p:nvPr>
         </p:nvSpPr>
-        <p:spPr/>
+        <p:spPr>
+          <a:xfrm>
+            <a:off x="565150" y="1763776"/>
+            <a:ext cx="8205470" cy="3970274"/>
+          </a:xfrm>
+        </p:spPr>
         <p:txBody>
           <a:bodyPr>
-            <a:normAutofit/>
+            <a:normAutofit fontScale="92500"/>
           </a:bodyPr>
           <a:lstStyle/>
           <a:p>
+            <a:pPr marL="0" indent="0">
+              <a:buNone/>
+            </a:pPr>
             <a:r>
-              <a:rPr lang="de-DE" sz="2400" dirty="0">
+              <a:rPr lang="de-DE" sz="2800" dirty="0">
+                <a:latin typeface="Calibri" panose="020F0502020204030204" pitchFamily="34" charset="0"/>
+                <a:ea typeface="Calibri" panose="020F0502020204030204" pitchFamily="34" charset="0"/>
+                <a:cs typeface="Calibri" panose="020F0502020204030204" pitchFamily="34" charset="0"/>
+              </a:rPr>
+              <a:t>Nur m</a:t>
+            </a:r>
+            <a:r>
+              <a:rPr lang="de-DE" sz="2800" dirty="0">
+                <a:effectLst/>
+                <a:latin typeface="Calibri" panose="020F0502020204030204" pitchFamily="34" charset="0"/>
+                <a:ea typeface="Calibri" panose="020F0502020204030204" pitchFamily="34" charset="0"/>
+                <a:cs typeface="Calibri" panose="020F0502020204030204" pitchFamily="34" charset="0"/>
+              </a:rPr>
+              <a:t>anuell:</a:t>
+            </a:r>
+          </a:p>
+          <a:p>
+            <a:pPr lvl="1"/>
+            <a:r>
+              <a:rPr lang="de-DE" sz="2800" dirty="0">
                 <a:effectLst/>
                 <a:latin typeface="Calibri" panose="020F0502020204030204" pitchFamily="34" charset="0"/>
                 <a:ea typeface="Calibri" panose="020F0502020204030204" pitchFamily="34" charset="0"/>
@@ -16620,8 +16652,9 @@
             </a:r>
           </a:p>
           <a:p>
+            <a:pPr lvl="1"/>
             <a:r>
-              <a:rPr lang="de-DE" sz="2400" dirty="0">
+              <a:rPr lang="de-DE" sz="2800" dirty="0">
                 <a:effectLst/>
                 <a:latin typeface="Calibri" panose="020F0502020204030204" pitchFamily="34" charset="0"/>
                 <a:ea typeface="Calibri" panose="020F0502020204030204" pitchFamily="34" charset="0"/>
@@ -16631,8 +16664,9 @@
             </a:r>
           </a:p>
           <a:p>
+            <a:pPr lvl="1"/>
             <a:r>
-              <a:rPr lang="de-DE" sz="2400" dirty="0">
+              <a:rPr lang="de-DE" sz="2800" dirty="0">
                 <a:effectLst/>
                 <a:latin typeface="Calibri" panose="020F0502020204030204" pitchFamily="34" charset="0"/>
                 <a:ea typeface="Calibri" panose="020F0502020204030204" pitchFamily="34" charset="0"/>
@@ -16642,8 +16676,9 @@
             </a:r>
           </a:p>
           <a:p>
+            <a:pPr lvl="1"/>
             <a:r>
-              <a:rPr lang="de-DE" sz="2400" dirty="0">
+              <a:rPr lang="de-DE" sz="2800" dirty="0">
                 <a:effectLst/>
                 <a:latin typeface="Calibri" panose="020F0502020204030204" pitchFamily="34" charset="0"/>
                 <a:ea typeface="Calibri" panose="020F0502020204030204" pitchFamily="34" charset="0"/>
@@ -16967,7 +17002,12 @@
             <p:ph type="title"/>
           </p:nvPr>
         </p:nvSpPr>
-        <p:spPr/>
+        <p:spPr>
+          <a:xfrm>
+            <a:off x="565150" y="770890"/>
+            <a:ext cx="7335835" cy="762678"/>
+          </a:xfrm>
+        </p:spPr>
         <p:txBody>
           <a:bodyPr>
             <a:normAutofit/>
@@ -17002,12 +17042,14 @@
         </p:nvSpPr>
         <p:spPr>
           <a:xfrm>
-            <a:off x="565151" y="2160016"/>
-            <a:ext cx="3762484" cy="3601212"/>
+            <a:off x="565149" y="1573652"/>
+            <a:ext cx="8767471" cy="476183"/>
           </a:xfrm>
         </p:spPr>
         <p:txBody>
-          <a:bodyPr/>
+          <a:bodyPr numCol="2">
+            <a:normAutofit fontScale="92500"/>
+          </a:bodyPr>
           <a:lstStyle/>
           <a:p>
             <a:r>
@@ -17047,59 +17089,36 @@
           </a:p>
         </p:txBody>
       </p:sp>
-      <p:sp>
-        <p:nvSpPr>
-          <p:cNvPr id="4" name="Rechteck 3">
+      <p:pic>
+        <p:nvPicPr>
+          <p:cNvPr id="6" name="Grafik 5">
             <a:extLst>
               <a:ext uri="{FF2B5EF4-FFF2-40B4-BE49-F238E27FC236}">
-                <a16:creationId xmlns:a16="http://schemas.microsoft.com/office/drawing/2014/main" id="{3F6435A2-73EF-A4DB-E324-339BCB40C829}"/>
+                <a16:creationId xmlns:a16="http://schemas.microsoft.com/office/drawing/2014/main" id="{DB80CF11-8BF8-F60B-80EE-F834A03655D2}"/>
               </a:ext>
             </a:extLst>
           </p:cNvPr>
-          <p:cNvSpPr/>
+          <p:cNvPicPr>
+            <a:picLocks noChangeAspect="1"/>
+          </p:cNvPicPr>
           <p:nvPr/>
-        </p:nvSpPr>
+        </p:nvPicPr>
+        <p:blipFill>
+          <a:blip r:embed="rId2"/>
+          <a:stretch>
+            <a:fillRect/>
+          </a:stretch>
+        </p:blipFill>
         <p:spPr>
           <a:xfrm>
-            <a:off x="6096000" y="1673115"/>
-            <a:ext cx="4114800" cy="3511769"/>
+            <a:off x="86759" y="1992631"/>
+            <a:ext cx="12018482" cy="4527086"/>
           </a:xfrm>
           <a:prstGeom prst="rect">
             <a:avLst/>
           </a:prstGeom>
         </p:spPr>
-        <p:style>
-          <a:lnRef idx="2">
-            <a:schemeClr val="accent1">
-              <a:shade val="50000"/>
-            </a:schemeClr>
-          </a:lnRef>
-          <a:fillRef idx="1">
-            <a:schemeClr val="accent1"/>
-          </a:fillRef>
-          <a:effectRef idx="0">
-            <a:schemeClr val="accent1"/>
-          </a:effectRef>
-          <a:fontRef idx="minor">
-            <a:schemeClr val="lt1"/>
-          </a:fontRef>
-        </p:style>
-        <p:txBody>
-          <a:bodyPr rtlCol="0" anchor="ctr"/>
-          <a:lstStyle/>
-          <a:p>
-            <a:pPr algn="ctr"/>
-            <a:r>
-              <a:rPr lang="de-DE" dirty="0" err="1"/>
-              <a:t>Script</a:t>
-            </a:r>
-            <a:r>
-              <a:rPr lang="de-DE" dirty="0"/>
-              <a:t>-Screenshot</a:t>
-            </a:r>
-          </a:p>
-        </p:txBody>
-      </p:sp>
+      </p:pic>
     </p:spTree>
     <p:extLst>
       <p:ext uri="{BB962C8B-B14F-4D97-AF65-F5344CB8AC3E}">

--- a/Documentation/Abschlusspräsentation.pptx
+++ b/Documentation/Abschlusspräsentation.pptx
@@ -2315,7 +2315,7 @@
             <a:fld id="{A5B0A250-5CC0-1746-B209-08E8B0DAE6AF}" type="datetimeFigureOut">
               <a:rPr lang="en-US" smtClean="0"/>
               <a:pPr algn="l"/>
-              <a:t>4/19/2023</a:t>
+              <a:t>4/24/2023</a:t>
             </a:fld>
             <a:endParaRPr lang="en-US" dirty="0"/>
           </a:p>
@@ -3777,7 +3777,7 @@
           <a:p>
             <a:fld id="{A5B0A250-5CC0-1746-B209-08E8B0DAE6AF}" type="datetimeFigureOut">
               <a:rPr lang="en-US" smtClean="0"/>
-              <a:t>4/19/2023</a:t>
+              <a:t>4/24/2023</a:t>
             </a:fld>
             <a:endParaRPr lang="en-US" dirty="0"/>
           </a:p>
@@ -4707,7 +4707,7 @@
           <a:p>
             <a:fld id="{A5B0A250-5CC0-1746-B209-08E8B0DAE6AF}" type="datetimeFigureOut">
               <a:rPr lang="en-US" smtClean="0"/>
-              <a:t>4/19/2023</a:t>
+              <a:t>4/24/2023</a:t>
             </a:fld>
             <a:endParaRPr lang="en-US"/>
           </a:p>
@@ -6164,7 +6164,7 @@
           <a:p>
             <a:fld id="{A5B0A250-5CC0-1746-B209-08E8B0DAE6AF}" type="datetimeFigureOut">
               <a:rPr lang="en-US" smtClean="0"/>
-              <a:t>4/19/2023</a:t>
+              <a:t>4/24/2023</a:t>
             </a:fld>
             <a:endParaRPr lang="en-US" dirty="0"/>
           </a:p>
@@ -8520,7 +8520,7 @@
           <a:p>
             <a:fld id="{A5B0A250-5CC0-1746-B209-08E8B0DAE6AF}" type="datetimeFigureOut">
               <a:rPr lang="en-US" smtClean="0"/>
-              <a:t>4/19/2023</a:t>
+              <a:t>4/24/2023</a:t>
             </a:fld>
             <a:endParaRPr lang="en-US" dirty="0"/>
           </a:p>
@@ -9561,7 +9561,7 @@
           <a:p>
             <a:fld id="{A5B0A250-5CC0-1746-B209-08E8B0DAE6AF}" type="datetimeFigureOut">
               <a:rPr lang="en-US" smtClean="0"/>
-              <a:t>4/19/2023</a:t>
+              <a:t>4/24/2023</a:t>
             </a:fld>
             <a:endParaRPr lang="en-US" dirty="0"/>
           </a:p>
@@ -10774,7 +10774,7 @@
           <a:p>
             <a:fld id="{A5B0A250-5CC0-1746-B209-08E8B0DAE6AF}" type="datetimeFigureOut">
               <a:rPr lang="en-US" smtClean="0"/>
-              <a:t>4/19/2023</a:t>
+              <a:t>4/24/2023</a:t>
             </a:fld>
             <a:endParaRPr lang="en-US" dirty="0"/>
           </a:p>
@@ -11683,7 +11683,7 @@
           <a:p>
             <a:fld id="{A5B0A250-5CC0-1746-B209-08E8B0DAE6AF}" type="datetimeFigureOut">
               <a:rPr lang="en-US" smtClean="0"/>
-              <a:t>4/19/2023</a:t>
+              <a:t>4/24/2023</a:t>
             </a:fld>
             <a:endParaRPr lang="en-US" dirty="0"/>
           </a:p>
@@ -11842,7 +11842,7 @@
             <a:fld id="{A5B0A250-5CC0-1746-B209-08E8B0DAE6AF}" type="datetimeFigureOut">
               <a:rPr lang="en-US" smtClean="0"/>
               <a:pPr/>
-              <a:t>4/19/2023</a:t>
+              <a:t>4/24/2023</a:t>
             </a:fld>
             <a:endParaRPr lang="en-US" dirty="0"/>
           </a:p>
@@ -12825,7 +12825,7 @@
           <a:p>
             <a:fld id="{A5B0A250-5CC0-1746-B209-08E8B0DAE6AF}" type="datetimeFigureOut">
               <a:rPr lang="en-US" smtClean="0"/>
-              <a:t>4/19/2023</a:t>
+              <a:t>4/24/2023</a:t>
             </a:fld>
             <a:endParaRPr lang="en-US" dirty="0"/>
           </a:p>
@@ -13887,7 +13887,7 @@
           <a:p>
             <a:fld id="{A5B0A250-5CC0-1746-B209-08E8B0DAE6AF}" type="datetimeFigureOut">
               <a:rPr lang="en-US" smtClean="0"/>
-              <a:t>4/19/2023</a:t>
+              <a:t>4/24/2023</a:t>
             </a:fld>
             <a:endParaRPr lang="en-US" dirty="0"/>
           </a:p>
@@ -14175,7 +14175,7 @@
             <a:fld id="{A5B0A250-5CC0-1746-B209-08E8B0DAE6AF}" type="datetimeFigureOut">
               <a:rPr lang="en-US" smtClean="0"/>
               <a:pPr/>
-              <a:t>4/19/2023</a:t>
+              <a:t>4/24/2023</a:t>
             </a:fld>
             <a:endParaRPr lang="en-US" dirty="0"/>
           </a:p>
@@ -15488,6 +15488,19 @@
           </a:bodyPr>
           <a:lstStyle/>
           <a:p>
+            <a:r>
+              <a:rPr lang="de-DE" dirty="0">
+                <a:latin typeface="Calibri" panose="020F0502020204030204" pitchFamily="34" charset="0"/>
+                <a:cs typeface="Calibri" panose="020F0502020204030204" pitchFamily="34" charset="0"/>
+              </a:rPr>
+              <a:t>Project:</a:t>
+            </a:r>
+            <a:br>
+              <a:rPr lang="de-DE" dirty="0">
+                <a:latin typeface="Calibri" panose="020F0502020204030204" pitchFamily="34" charset="0"/>
+                <a:cs typeface="Calibri" panose="020F0502020204030204" pitchFamily="34" charset="0"/>
+              </a:rPr>
+            </a:br>
             <a:r>
               <a:rPr lang="de-DE" dirty="0">
                 <a:latin typeface="Calibri" panose="020F0502020204030204" pitchFamily="34" charset="0"/>
@@ -16076,35 +16089,6 @@
           </a:p>
         </p:txBody>
       </p:sp>
-      <p:pic>
-        <p:nvPicPr>
-          <p:cNvPr id="5" name="Inhaltsplatzhalter 4">
-            <a:extLst>
-              <a:ext uri="{FF2B5EF4-FFF2-40B4-BE49-F238E27FC236}">
-                <a16:creationId xmlns:a16="http://schemas.microsoft.com/office/drawing/2014/main" id="{7D45E291-AF7C-738E-CFAD-E07FA03FA9D9}"/>
-              </a:ext>
-            </a:extLst>
-          </p:cNvPr>
-          <p:cNvPicPr>
-            <a:picLocks noGrp="1" noChangeAspect="1"/>
-          </p:cNvPicPr>
-          <p:nvPr>
-            <p:ph idx="1"/>
-          </p:nvPr>
-        </p:nvPicPr>
-        <p:blipFill>
-          <a:blip r:embed="rId2"/>
-          <a:stretch>
-            <a:fillRect/>
-          </a:stretch>
-        </p:blipFill>
-        <p:spPr>
-          <a:xfrm>
-            <a:off x="284659" y="2552699"/>
-            <a:ext cx="11622681" cy="3534411"/>
-          </a:xfrm>
-        </p:spPr>
-      </p:pic>
       <p:sp>
         <p:nvSpPr>
           <p:cNvPr id="7" name="Inhaltsplatzhalter 2">
@@ -16322,7 +16306,7 @@
           <p:nvPr/>
         </p:nvPicPr>
         <p:blipFill>
-          <a:blip r:embed="rId3">
+          <a:blip r:embed="rId2">
             <a:extLst>
               <a:ext uri="{28A0092B-C50C-407E-A947-70E740481C1C}">
                 <a14:useLocalDpi xmlns:a14="http://schemas.microsoft.com/office/drawing/2010/main" val="0"/>
@@ -16337,6 +16321,36 @@
           <a:xfrm>
             <a:off x="1378168" y="1379877"/>
             <a:ext cx="2303079" cy="928909"/>
+          </a:xfrm>
+          <a:prstGeom prst="rect">
+            <a:avLst/>
+          </a:prstGeom>
+        </p:spPr>
+      </p:pic>
+      <p:pic>
+        <p:nvPicPr>
+          <p:cNvPr id="8" name="Grafik 7">
+            <a:extLst>
+              <a:ext uri="{FF2B5EF4-FFF2-40B4-BE49-F238E27FC236}">
+                <a16:creationId xmlns:a16="http://schemas.microsoft.com/office/drawing/2014/main" id="{6D40F0B0-3662-068B-A904-45421C426E19}"/>
+              </a:ext>
+            </a:extLst>
+          </p:cNvPr>
+          <p:cNvPicPr>
+            <a:picLocks noChangeAspect="1"/>
+          </p:cNvPicPr>
+          <p:nvPr/>
+        </p:nvPicPr>
+        <p:blipFill>
+          <a:blip r:embed="rId3"/>
+          <a:stretch>
+            <a:fillRect/>
+          </a:stretch>
+        </p:blipFill>
+        <p:spPr>
+          <a:xfrm>
+            <a:off x="365488" y="2308786"/>
+            <a:ext cx="9348841" cy="4417897"/>
           </a:xfrm>
           <a:prstGeom prst="rect">
             <a:avLst/>
@@ -16406,10 +16420,10 @@
       </p:sp>
       <p:pic>
         <p:nvPicPr>
-          <p:cNvPr id="5" name="Grafik 4">
+          <p:cNvPr id="4" name="Grafik 3">
             <a:extLst>
               <a:ext uri="{FF2B5EF4-FFF2-40B4-BE49-F238E27FC236}">
-                <a16:creationId xmlns:a16="http://schemas.microsoft.com/office/drawing/2014/main" id="{4A71B8BD-3466-DCC7-CE24-D9B098B7B7EA}"/>
+                <a16:creationId xmlns:a16="http://schemas.microsoft.com/office/drawing/2014/main" id="{1312FE27-AA1E-C956-91A8-FC8646998E75}"/>
               </a:ext>
             </a:extLst>
           </p:cNvPr>
@@ -16419,15 +16433,59 @@
           <p:nvPr/>
         </p:nvPicPr>
         <p:blipFill>
-          <a:blip r:embed="rId2"/>
+          <a:blip r:embed="rId2">
+            <a:extLst>
+              <a:ext uri="{BEBA8EAE-BF5A-486C-A8C5-ECC9F3942E4B}">
+                <a14:imgProps xmlns:a14="http://schemas.microsoft.com/office/drawing/2010/main">
+                  <a14:imgLayer r:embed="rId3">
+                    <a14:imgEffect>
+                      <a14:backgroundRemoval t="1302" b="98580" l="2367" r="99941">
+                        <a14:foregroundMark x1="6686" y1="27219" x2="18343" y2="28757"/>
+                        <a14:foregroundMark x1="18343" y1="28757" x2="15562" y2="31953"/>
+                        <a14:foregroundMark x1="4083" y1="10178" x2="9763" y2="4379"/>
+                        <a14:foregroundMark x1="9763" y1="4379" x2="1420" y2="1538"/>
+                        <a14:foregroundMark x1="1420" y1="1538" x2="4556" y2="22840"/>
+                        <a14:foregroundMark x1="4556" y1="22840" x2="2367" y2="11124"/>
+                        <a14:foregroundMark x1="2367" y1="11124" x2="2426" y2="1302"/>
+                        <a14:foregroundMark x1="43964" y1="98580" x2="46923" y2="4379"/>
+                        <a14:foregroundMark x1="46923" y1="4379" x2="15917" y2="56213"/>
+                        <a14:foregroundMark x1="15917" y1="56213" x2="22959" y2="49112"/>
+                        <a14:foregroundMark x1="22959" y1="49112" x2="27633" y2="79527"/>
+                        <a14:foregroundMark x1="27633" y1="79527" x2="26686" y2="81657"/>
+                        <a14:foregroundMark x1="89112" y1="7811" x2="97160" y2="11953"/>
+                        <a14:foregroundMark x1="97160" y1="11953" x2="99941" y2="18107"/>
+                        <a14:backgroundMark x1="98564" y1="8249" x2="98994" y2="8521"/>
+                        <a14:backgroundMark x1="89645" y1="2604" x2="95471" y2="6291"/>
+                        <a14:backgroundMark x1="98994" y1="8521" x2="98533" y2="8331"/>
+                        <a14:backgroundMark x1="92944" y1="4990" x2="99645" y2="1538"/>
+                        <a14:backgroundMark x1="99645" y1="1538" x2="95148" y2="3669"/>
+                        <a14:backgroundMark x1="91420" y1="1775" x2="96568" y2="1538"/>
+                        <a14:backgroundMark x1="96568" y1="1538" x2="99941" y2="9231"/>
+                        <a14:backgroundMark x1="99941" y1="9231" x2="99941" y2="4497"/>
+                        <a14:backgroundMark x1="93432" y1="2367" x2="99586" y2="1420"/>
+                        <a14:backgroundMark x1="99586" y1="1420" x2="97574" y2="6391"/>
+                        <a14:backgroundMark x1="98402" y1="6627" x2="93491" y2="1065"/>
+                        <a14:backgroundMark x1="93491" y1="1065" x2="99941" y2="1065"/>
+                        <a14:backgroundMark x1="93669" y1="1065" x2="98994" y2="0"/>
+                        <a14:backgroundMark x1="98994" y1="0" x2="98994" y2="947"/>
+                        <a14:backgroundMark x1="97337" y1="3905" x2="91953" y2="710"/>
+                        <a14:backgroundMark x1="91953" y1="710" x2="97278" y2="828"/>
+                        <a14:backgroundMark x1="97278" y1="828" x2="98462" y2="473"/>
+                      </a14:backgroundRemoval>
+                    </a14:imgEffect>
+                  </a14:imgLayer>
+                </a14:imgProps>
+              </a:ext>
+            </a:extLst>
+          </a:blip>
           <a:stretch>
             <a:fillRect/>
           </a:stretch>
         </p:blipFill>
         <p:spPr>
           <a:xfrm>
-            <a:off x="523581" y="1455420"/>
-            <a:ext cx="9909191" cy="5136032"/>
+            <a:off x="369569" y="1758175"/>
+            <a:ext cx="9361450" cy="4680725"/>
           </a:xfrm>
           <a:prstGeom prst="rect">
             <a:avLst/>
@@ -16497,10 +16555,10 @@
       </p:sp>
       <p:pic>
         <p:nvPicPr>
-          <p:cNvPr id="5" name="Grafik 4">
+          <p:cNvPr id="4" name="Grafik 3">
             <a:extLst>
               <a:ext uri="{FF2B5EF4-FFF2-40B4-BE49-F238E27FC236}">
-                <a16:creationId xmlns:a16="http://schemas.microsoft.com/office/drawing/2014/main" id="{3BA89BF6-8B5B-0C8F-FDF4-8E9904185CF5}"/>
+                <a16:creationId xmlns:a16="http://schemas.microsoft.com/office/drawing/2014/main" id="{1C4B2B70-D803-D627-A98C-77A29E00F280}"/>
               </a:ext>
             </a:extLst>
           </p:cNvPr>
@@ -16510,15 +16568,84 @@
           <p:nvPr/>
         </p:nvPicPr>
         <p:blipFill>
-          <a:blip r:embed="rId2"/>
+          <a:blip r:embed="rId2">
+            <a:extLst>
+              <a:ext uri="{BEBA8EAE-BF5A-486C-A8C5-ECC9F3942E4B}">
+                <a14:imgProps xmlns:a14="http://schemas.microsoft.com/office/drawing/2010/main">
+                  <a14:imgLayer r:embed="rId3">
+                    <a14:imgEffect>
+                      <a14:backgroundRemoval t="534" b="96692" l="2179" r="98937">
+                        <a14:foregroundMark x1="75983" y1="1067" x2="86982" y2="18890"/>
+                        <a14:foregroundMark x1="98066" y1="31165" x2="98353" y2="31483"/>
+                        <a14:foregroundMark x1="86982" y1="18890" x2="97622" y2="30674"/>
+                        <a14:foregroundMark x1="98353" y1="31483" x2="93358" y2="51868"/>
+                        <a14:foregroundMark x1="93358" y1="51868" x2="94793" y2="61366"/>
+                        <a14:foregroundMark x1="99435" y1="64730" x2="99947" y2="65101"/>
+                        <a14:foregroundMark x1="94793" y1="61366" x2="99091" y2="64480"/>
+                        <a14:foregroundMark x1="99060" y1="66177" x2="92030" y2="74707"/>
+                        <a14:foregroundMark x1="99947" y1="65101" x2="99237" y2="65962"/>
+                        <a14:foregroundMark x1="92030" y1="74707" x2="32094" y2="37887"/>
+                        <a14:foregroundMark x1="32094" y1="37887" x2="16047" y2="42796"/>
+                        <a14:foregroundMark x1="16047" y1="42796" x2="34006" y2="73853"/>
+                        <a14:foregroundMark x1="34006" y1="73853" x2="62115" y2="70117"/>
+                        <a14:foregroundMark x1="62115" y1="70117" x2="32731" y2="41836"/>
+                        <a14:foregroundMark x1="32731" y1="41836" x2="48406" y2="19637"/>
+                        <a14:foregroundMark x1="48406" y1="19637" x2="62859" y2="51654"/>
+                        <a14:foregroundMark x1="62859" y1="51654" x2="83209" y2="70544"/>
+                        <a14:foregroundMark x1="83209" y1="70544" x2="83209" y2="70544"/>
+                        <a14:foregroundMark x1="78533" y1="9819" x2="74442" y2="2241"/>
+                        <a14:foregroundMark x1="74442" y1="2241" x2="70670" y2="8431"/>
+                        <a14:foregroundMark x1="70670" y1="8431" x2="54145" y2="7898"/>
+                        <a14:foregroundMark x1="54145" y1="7898" x2="31934" y2="24333"/>
+                        <a14:foregroundMark x1="31934" y1="24333" x2="14984" y2="19424"/>
+                        <a14:foregroundMark x1="14984" y1="19424" x2="2179" y2="4803"/>
+                        <a14:foregroundMark x1="2179" y1="4803" x2="7173" y2="534"/>
+                        <a14:foregroundMark x1="90967" y1="63180" x2="99575" y2="76201"/>
+                        <a14:foregroundMark x1="99575" y1="76201" x2="63815" y2="82284"/>
+                        <a14:foregroundMark x1="63815" y1="82284" x2="21626" y2="79829"/>
+                        <a14:foregroundMark x1="21626" y1="79829" x2="7705" y2="88474"/>
+                        <a14:foregroundMark x1="7705" y1="88474" x2="9192" y2="90395"/>
+                        <a14:foregroundMark x1="1169" y1="88581" x2="6057" y2="93276"/>
+                        <a14:foregroundMark x1="6057" y1="93276" x2="18066" y2="94130"/>
+                        <a14:foregroundMark x1="18066" y1="94130" x2="49628" y2="89221"/>
+                        <a14:foregroundMark x1="49628" y1="89221" x2="59724" y2="92636"/>
+                        <a14:foregroundMark x1="59724" y1="92636" x2="80712" y2="87620"/>
+                        <a14:foregroundMark x1="80712" y1="87620" x2="90011" y2="90181"/>
+                        <a14:foregroundMark x1="90011" y1="90181" x2="96281" y2="95624"/>
+                        <a14:foregroundMark x1="96281" y1="95624" x2="95909" y2="96798"/>
+                        <a14:foregroundMark x1="97694" y1="55902" x2="98672" y2="60192"/>
+                        <a14:foregroundMark x1="96652" y1="51334" x2="97465" y2="54901"/>
+                        <a14:foregroundMark x1="98672" y1="60192" x2="98937" y2="59552"/>
+                        <a14:foregroundMark x1="98087" y1="58271" x2="98353" y2="57097"/>
+                        <a14:backgroundMark x1="83847" y1="0" x2="90967" y2="9072"/>
+                        <a14:backgroundMark x1="90967" y1="9072" x2="96971" y2="9712"/>
+                        <a14:backgroundMark x1="96971" y1="9712" x2="89586" y2="2241"/>
+                        <a14:backgroundMark x1="89586" y1="2241" x2="96918" y2="4589"/>
+                        <a14:backgroundMark x1="96918" y1="4589" x2="85388" y2="427"/>
+                        <a14:backgroundMark x1="85388" y1="427" x2="98618" y2="9498"/>
+                        <a14:backgroundMark x1="98618" y1="9498" x2="95590" y2="4162"/>
+                        <a14:backgroundMark x1="99522" y1="16862" x2="99575" y2="29776"/>
+                        <a14:backgroundMark x1="99575" y1="29776" x2="99575" y2="20064"/>
+                        <a14:backgroundMark x1="99575" y1="20064" x2="99894" y2="30950"/>
+                        <a14:backgroundMark x1="99894" y1="30950" x2="99947" y2="30096"/>
+                        <a14:backgroundMark x1="99628" y1="45571" x2="99734" y2="55816"/>
+                        <a14:backgroundMark x1="99734" y1="55816" x2="99947" y2="50267"/>
+                        <a14:backgroundMark x1="99734" y1="62860" x2="99841" y2="56990"/>
+                      </a14:backgroundRemoval>
+                    </a14:imgEffect>
+                  </a14:imgLayer>
+                </a14:imgProps>
+              </a:ext>
+            </a:extLst>
+          </a:blip>
           <a:stretch>
             <a:fillRect/>
           </a:stretch>
         </p:blipFill>
         <p:spPr>
           <a:xfrm>
-            <a:off x="565150" y="1550512"/>
-            <a:ext cx="9726175" cy="4922678"/>
+            <a:off x="426409" y="1460980"/>
+            <a:ext cx="9914164" cy="4936010"/>
           </a:xfrm>
           <a:prstGeom prst="rect">
             <a:avLst/>
@@ -17042,7 +17169,7 @@
         </p:nvSpPr>
         <p:spPr>
           <a:xfrm>
-            <a:off x="565149" y="1573652"/>
+            <a:off x="462279" y="1573652"/>
             <a:ext cx="8767471" cy="476183"/>
           </a:xfrm>
         </p:spPr>
@@ -17089,12 +17216,66 @@
           </a:p>
         </p:txBody>
       </p:sp>
+      <p:sp>
+        <p:nvSpPr>
+          <p:cNvPr id="7" name="Rechteck 6">
+            <a:extLst>
+              <a:ext uri="{FF2B5EF4-FFF2-40B4-BE49-F238E27FC236}">
+                <a16:creationId xmlns:a16="http://schemas.microsoft.com/office/drawing/2014/main" id="{6FBB4D5C-F001-E0CD-6F57-E88770E797F6}"/>
+              </a:ext>
+            </a:extLst>
+          </p:cNvPr>
+          <p:cNvSpPr/>
+          <p:nvPr/>
+        </p:nvSpPr>
+        <p:spPr>
+          <a:xfrm>
+            <a:off x="11007090" y="3562350"/>
+            <a:ext cx="502920" cy="1051560"/>
+          </a:xfrm>
+          <a:prstGeom prst="rect">
+            <a:avLst/>
+          </a:prstGeom>
+          <a:solidFill>
+            <a:schemeClr val="bg1"/>
+          </a:solidFill>
+          <a:ln>
+            <a:solidFill>
+              <a:schemeClr val="bg1"/>
+            </a:solidFill>
+          </a:ln>
+        </p:spPr>
+        <p:style>
+          <a:lnRef idx="2">
+            <a:schemeClr val="accent1">
+              <a:shade val="50000"/>
+            </a:schemeClr>
+          </a:lnRef>
+          <a:fillRef idx="1">
+            <a:schemeClr val="accent1"/>
+          </a:fillRef>
+          <a:effectRef idx="0">
+            <a:schemeClr val="accent1"/>
+          </a:effectRef>
+          <a:fontRef idx="minor">
+            <a:schemeClr val="lt1"/>
+          </a:fontRef>
+        </p:style>
+        <p:txBody>
+          <a:bodyPr rtlCol="0" anchor="ctr"/>
+          <a:lstStyle/>
+          <a:p>
+            <a:pPr algn="ctr"/>
+            <a:endParaRPr lang="de-DE"/>
+          </a:p>
+        </p:txBody>
+      </p:sp>
       <p:pic>
         <p:nvPicPr>
-          <p:cNvPr id="6" name="Grafik 5">
+          <p:cNvPr id="5" name="Grafik 4">
             <a:extLst>
               <a:ext uri="{FF2B5EF4-FFF2-40B4-BE49-F238E27FC236}">
-                <a16:creationId xmlns:a16="http://schemas.microsoft.com/office/drawing/2014/main" id="{DB80CF11-8BF8-F60B-80EE-F834A03655D2}"/>
+                <a16:creationId xmlns:a16="http://schemas.microsoft.com/office/drawing/2014/main" id="{4E203F12-1B47-B5D4-30A6-9525E0A859FB}"/>
               </a:ext>
             </a:extLst>
           </p:cNvPr>
@@ -17104,15 +17285,102 @@
           <p:nvPr/>
         </p:nvPicPr>
         <p:blipFill>
-          <a:blip r:embed="rId2"/>
+          <a:blip r:embed="rId2">
+            <a:extLst>
+              <a:ext uri="{BEBA8EAE-BF5A-486C-A8C5-ECC9F3942E4B}">
+                <a14:imgProps xmlns:a14="http://schemas.microsoft.com/office/drawing/2010/main">
+                  <a14:imgLayer r:embed="rId3">
+                    <a14:imgEffect>
+                      <a14:backgroundRemoval t="1073" b="94099" l="710" r="99956">
+                        <a14:foregroundMark x1="80000" y1="751" x2="83592" y2="15343"/>
+                        <a14:foregroundMark x1="94795" y1="34323" x2="99424" y2="42167"/>
+                        <a14:foregroundMark x1="91162" y1="28168" x2="91790" y2="29232"/>
+                        <a14:foregroundMark x1="83592" y1="15343" x2="90703" y2="27392"/>
+                        <a14:foregroundMark x1="99424" y1="42167" x2="90865" y2="69635"/>
+                        <a14:foregroundMark x1="90865" y1="69635" x2="64390" y2="99034"/>
+                        <a14:foregroundMark x1="64390" y1="99034" x2="88381" y2="50429"/>
+                        <a14:foregroundMark x1="88381" y1="50429" x2="54590" y2="73176"/>
+                        <a14:foregroundMark x1="54590" y1="73176" x2="48426" y2="67704"/>
+                        <a14:foregroundMark x1="48426" y1="67704" x2="51752" y2="42918"/>
+                        <a14:foregroundMark x1="51752" y1="42918" x2="31220" y2="52790"/>
+                        <a14:foregroundMark x1="31220" y1="52790" x2="11574" y2="35730"/>
+                        <a14:foregroundMark x1="11574" y1="35730" x2="18182" y2="7940"/>
+                        <a14:foregroundMark x1="18182" y1="7940" x2="6519" y2="23391"/>
+                        <a14:foregroundMark x1="6519" y1="23391" x2="9800" y2="18026"/>
+                        <a14:foregroundMark x1="78226" y1="9120" x2="73880" y2="2575"/>
+                        <a14:foregroundMark x1="73880" y1="2575" x2="67273" y2="11373"/>
+                        <a14:foregroundMark x1="67273" y1="11373" x2="60798" y2="12554"/>
+                        <a14:foregroundMark x1="60798" y1="12554" x2="56541" y2="10622"/>
+                        <a14:foregroundMark x1="56541" y1="10622" x2="52816" y2="18026"/>
+                        <a14:foregroundMark x1="52816" y1="18026" x2="7761" y2="9227"/>
+                        <a14:foregroundMark x1="7761" y1="9227" x2="10022" y2="72532"/>
+                        <a14:foregroundMark x1="10022" y1="72532" x2="5721" y2="72747"/>
+                        <a14:foregroundMark x1="5721" y1="72747" x2="7317" y2="83906"/>
+                        <a14:foregroundMark x1="7317" y1="83906" x2="12018" y2="86266"/>
+                        <a14:foregroundMark x1="12018" y1="86266" x2="22661" y2="71352"/>
+                        <a14:foregroundMark x1="22661" y1="71352" x2="35344" y2="78326"/>
+                        <a14:foregroundMark x1="35344" y1="78326" x2="41463" y2="89700"/>
+                        <a14:foregroundMark x1="41463" y1="89700" x2="46120" y2="94206"/>
+                        <a14:foregroundMark x1="46120" y1="94206" x2="52195" y2="89914"/>
+                        <a14:foregroundMark x1="89756" y1="49678" x2="82661" y2="18884"/>
+                        <a14:foregroundMark x1="82661" y1="18884" x2="89800" y2="64270"/>
+                        <a14:foregroundMark x1="89800" y1="64270" x2="80310" y2="22425"/>
+                        <a14:foregroundMark x1="80310" y1="22425" x2="78758" y2="44421"/>
+                        <a14:foregroundMark x1="78758" y1="44421" x2="71042" y2="34979"/>
+                        <a14:foregroundMark x1="71042" y1="34979" x2="61109" y2="36803"/>
+                        <a14:foregroundMark x1="61109" y1="36803" x2="57827" y2="46567"/>
+                        <a14:foregroundMark x1="57827" y1="46567" x2="57783" y2="45279"/>
+                        <a14:foregroundMark x1="80133" y1="9227" x2="76940" y2="1073"/>
+                        <a14:foregroundMark x1="76940" y1="1073" x2="74678" y2="2361"/>
+                        <a14:foregroundMark x1="65100" y1="31438" x2="32373" y2="33584"/>
+                        <a14:foregroundMark x1="32373" y1="33584" x2="46164" y2="21888"/>
+                        <a14:foregroundMark x1="46164" y1="21888" x2="36896" y2="46245"/>
+                        <a14:foregroundMark x1="36896" y1="46245" x2="37162" y2="40129"/>
+                        <a14:foregroundMark x1="11619" y1="64700" x2="665" y2="52682"/>
+                        <a14:foregroundMark x1="665" y1="52682" x2="1508" y2="7940"/>
+                        <a14:foregroundMark x1="1508" y1="7940" x2="843" y2="37017"/>
+                        <a14:foregroundMark x1="843" y1="37017" x2="2439" y2="17918"/>
+                        <a14:foregroundMark x1="2439" y1="17918" x2="7317" y2="79185"/>
+                        <a14:foregroundMark x1="7317" y1="79185" x2="1064" y2="59442"/>
+                        <a14:foregroundMark x1="1064" y1="59442" x2="710" y2="28112"/>
+                        <a14:foregroundMark x1="710" y1="28112" x2="6741" y2="27146"/>
+                        <a14:foregroundMark x1="6741" y1="27146" x2="9401" y2="37124"/>
+                        <a14:foregroundMark x1="9401" y1="37124" x2="9623" y2="36910"/>
+                        <a14:foregroundMark x1="92373" y1="59657" x2="96718" y2="61266"/>
+                        <a14:foregroundMark x1="96718" y1="61266" x2="95797" y2="86768"/>
+                        <a14:foregroundMark x1="96283" y1="87291" x2="97206" y2="80901"/>
+                        <a14:foregroundMark x1="97206" y1="80901" x2="97118" y2="79614"/>
+                        <a14:foregroundMark x1="95344" y1="34120" x2="99956" y2="35622"/>
+                        <a14:foregroundMark x1="99956" y1="35622" x2="99823" y2="36481"/>
+                        <a14:backgroundMark x1="89135" y1="322" x2="91397" y2="15665"/>
+                        <a14:backgroundMark x1="91397" y1="15665" x2="95122" y2="23712"/>
+                        <a14:backgroundMark x1="95122" y1="23712" x2="99601" y2="25536"/>
+                        <a14:backgroundMark x1="99601" y1="25536" x2="99645" y2="11588"/>
+                        <a14:backgroundMark x1="99645" y1="11588" x2="93525" y2="7511"/>
+                        <a14:backgroundMark x1="93525" y1="7511" x2="97162" y2="12124"/>
+                        <a14:backgroundMark x1="89889" y1="8476" x2="92639" y2="26931"/>
+                        <a14:backgroundMark x1="92639" y1="26931" x2="96210" y2="31107"/>
+                        <a14:backgroundMark x1="96315" y1="30743" x2="90776" y2="14270"/>
+                        <a14:backgroundMark x1="90776" y1="14270" x2="91175" y2="14914"/>
+                        <a14:backgroundMark x1="90776" y1="98712" x2="96807" y2="89378"/>
+                        <a14:backgroundMark x1="96807" y1="89378" x2="92860" y2="94635"/>
+                        <a14:backgroundMark x1="92860" y1="94635" x2="97384" y2="96459"/>
+                        <a14:backgroundMark x1="97384" y1="96459" x2="96940" y2="99785"/>
+                      </a14:backgroundRemoval>
+                    </a14:imgEffect>
+                  </a14:imgLayer>
+                </a14:imgProps>
+              </a:ext>
+            </a:extLst>
+          </a:blip>
           <a:stretch>
             <a:fillRect/>
           </a:stretch>
         </p:blipFill>
         <p:spPr>
           <a:xfrm>
-            <a:off x="86759" y="1992631"/>
-            <a:ext cx="12018482" cy="4527086"/>
+            <a:off x="126015" y="2055629"/>
+            <a:ext cx="11094021" cy="4585201"/>
           </a:xfrm>
           <a:prstGeom prst="rect">
             <a:avLst/>
@@ -18269,10 +18537,10 @@
       </p:grpSpPr>
       <p:pic>
         <p:nvPicPr>
-          <p:cNvPr id="5" name="Grafik 4">
+          <p:cNvPr id="6" name="Grafik 5">
             <a:extLst>
               <a:ext uri="{FF2B5EF4-FFF2-40B4-BE49-F238E27FC236}">
-                <a16:creationId xmlns:a16="http://schemas.microsoft.com/office/drawing/2014/main" id="{68BFFDB4-9280-4FD3-726C-DB6E1680DA6A}"/>
+                <a16:creationId xmlns:a16="http://schemas.microsoft.com/office/drawing/2014/main" id="{0399EB17-9973-2910-39F1-FFE9D761554D}"/>
               </a:ext>
             </a:extLst>
           </p:cNvPr>
@@ -18289,43 +18557,68 @@
         </p:blipFill>
         <p:spPr>
           <a:xfrm>
-            <a:off x="935699" y="371210"/>
-            <a:ext cx="3924640" cy="6115580"/>
+            <a:off x="346541" y="607445"/>
+            <a:ext cx="5078899" cy="2888002"/>
           </a:xfrm>
           <a:prstGeom prst="rect">
             <a:avLst/>
           </a:prstGeom>
         </p:spPr>
       </p:pic>
-      <p:pic>
-        <p:nvPicPr>
-          <p:cNvPr id="9" name="Grafik 8">
+      <p:sp>
+        <p:nvSpPr>
+          <p:cNvPr id="10" name="Rechteck 9">
             <a:extLst>
               <a:ext uri="{FF2B5EF4-FFF2-40B4-BE49-F238E27FC236}">
-                <a16:creationId xmlns:a16="http://schemas.microsoft.com/office/drawing/2014/main" id="{CB1C1A33-6891-8733-4E1D-E3BA55DB4FB5}"/>
+                <a16:creationId xmlns:a16="http://schemas.microsoft.com/office/drawing/2014/main" id="{DF16925C-B497-4F7A-EC7E-B75507BA488A}"/>
               </a:ext>
             </a:extLst>
           </p:cNvPr>
-          <p:cNvPicPr>
-            <a:picLocks noChangeAspect="1"/>
-          </p:cNvPicPr>
+          <p:cNvSpPr/>
           <p:nvPr/>
-        </p:nvPicPr>
-        <p:blipFill rotWithShape="1">
-          <a:blip r:embed="rId3"/>
-          <a:srcRect l="274" t="311" r="-274" b="-311"/>
-          <a:stretch/>
-        </p:blipFill>
+        </p:nvSpPr>
         <p:spPr>
           <a:xfrm>
-            <a:off x="5784619" y="371210"/>
-            <a:ext cx="5296359" cy="6134632"/>
+            <a:off x="464820" y="5890260"/>
+            <a:ext cx="5326380" cy="487680"/>
           </a:xfrm>
           <a:prstGeom prst="rect">
             <a:avLst/>
           </a:prstGeom>
+          <a:solidFill>
+            <a:schemeClr val="bg1"/>
+          </a:solidFill>
+          <a:ln>
+            <a:solidFill>
+              <a:schemeClr val="bg1"/>
+            </a:solidFill>
+          </a:ln>
         </p:spPr>
-      </p:pic>
+        <p:style>
+          <a:lnRef idx="2">
+            <a:schemeClr val="accent1">
+              <a:shade val="50000"/>
+            </a:schemeClr>
+          </a:lnRef>
+          <a:fillRef idx="1">
+            <a:schemeClr val="accent1"/>
+          </a:fillRef>
+          <a:effectRef idx="0">
+            <a:schemeClr val="accent1"/>
+          </a:effectRef>
+          <a:fontRef idx="minor">
+            <a:schemeClr val="lt1"/>
+          </a:fontRef>
+        </p:style>
+        <p:txBody>
+          <a:bodyPr rtlCol="0" anchor="ctr"/>
+          <a:lstStyle/>
+          <a:p>
+            <a:pPr algn="ctr"/>
+            <a:endParaRPr lang="de-DE"/>
+          </a:p>
+        </p:txBody>
+      </p:sp>
       <p:sp>
         <p:nvSpPr>
           <p:cNvPr id="2" name="Ellipse 1">
@@ -18340,7 +18633,7 @@
         </p:nvSpPr>
         <p:spPr>
           <a:xfrm>
-            <a:off x="935699" y="246490"/>
+            <a:off x="848069" y="524620"/>
             <a:ext cx="1894966" cy="500933"/>
           </a:xfrm>
           <a:prstGeom prst="ellipse">
@@ -18378,6 +18671,36 @@
           </a:p>
         </p:txBody>
       </p:sp>
+      <p:pic>
+        <p:nvPicPr>
+          <p:cNvPr id="8" name="Grafik 7">
+            <a:extLst>
+              <a:ext uri="{FF2B5EF4-FFF2-40B4-BE49-F238E27FC236}">
+                <a16:creationId xmlns:a16="http://schemas.microsoft.com/office/drawing/2014/main" id="{29082F79-F5FB-B64B-DB05-07B612EB4B3D}"/>
+              </a:ext>
+            </a:extLst>
+          </p:cNvPr>
+          <p:cNvPicPr>
+            <a:picLocks noChangeAspect="1"/>
+          </p:cNvPicPr>
+          <p:nvPr/>
+        </p:nvPicPr>
+        <p:blipFill>
+          <a:blip r:embed="rId3"/>
+          <a:stretch>
+            <a:fillRect/>
+          </a:stretch>
+        </p:blipFill>
+        <p:spPr>
+          <a:xfrm>
+            <a:off x="4739640" y="3522646"/>
+            <a:ext cx="7185980" cy="3015314"/>
+          </a:xfrm>
+          <a:prstGeom prst="rect">
+            <a:avLst/>
+          </a:prstGeom>
+        </p:spPr>
+      </p:pic>
       <p:sp>
         <p:nvSpPr>
           <p:cNvPr id="3" name="Ellipse 2">
@@ -18392,7 +18715,7 @@
         </p:nvSpPr>
         <p:spPr>
           <a:xfrm>
-            <a:off x="5784619" y="246489"/>
+            <a:off x="5197879" y="3462129"/>
             <a:ext cx="1894966" cy="500933"/>
           </a:xfrm>
           <a:prstGeom prst="ellipse">
@@ -18493,37 +18816,35 @@
           </a:p>
         </p:txBody>
       </p:sp>
-      <p:sp>
-        <p:nvSpPr>
-          <p:cNvPr id="3" name="Inhaltsplatzhalter 2">
+      <p:pic>
+        <p:nvPicPr>
+          <p:cNvPr id="6" name="Inhaltsplatzhalter 5">
             <a:extLst>
               <a:ext uri="{FF2B5EF4-FFF2-40B4-BE49-F238E27FC236}">
-                <a16:creationId xmlns:a16="http://schemas.microsoft.com/office/drawing/2014/main" id="{EA30CA25-8F66-A212-578E-CB803AD2FF6F}"/>
+                <a16:creationId xmlns:a16="http://schemas.microsoft.com/office/drawing/2014/main" id="{6DFD945A-FE67-5F59-87BE-3F4DE9576469}"/>
               </a:ext>
             </a:extLst>
           </p:cNvPr>
-          <p:cNvSpPr>
-            <a:spLocks noGrp="1"/>
-          </p:cNvSpPr>
+          <p:cNvPicPr>
+            <a:picLocks noGrp="1" noChangeAspect="1"/>
+          </p:cNvPicPr>
           <p:nvPr>
             <p:ph idx="1"/>
           </p:nvPr>
-        </p:nvSpPr>
-        <p:spPr/>
-        <p:txBody>
-          <a:bodyPr/>
-          <a:lstStyle/>
-          <a:p>
-            <a:pPr marL="0" indent="0">
-              <a:buNone/>
-            </a:pPr>
-            <a:endParaRPr lang="de-DE" dirty="0">
-              <a:latin typeface="Calibri" panose="020F0502020204030204" pitchFamily="34" charset="0"/>
-              <a:cs typeface="Calibri" panose="020F0502020204030204" pitchFamily="34" charset="0"/>
-            </a:endParaRPr>
-          </a:p>
-        </p:txBody>
-      </p:sp>
+        </p:nvPicPr>
+        <p:blipFill>
+          <a:blip r:embed="rId2"/>
+          <a:stretch>
+            <a:fillRect/>
+          </a:stretch>
+        </p:blipFill>
+        <p:spPr>
+          <a:xfrm>
+            <a:off x="403772" y="2217420"/>
+            <a:ext cx="9897302" cy="1926321"/>
+          </a:xfrm>
+        </p:spPr>
+      </p:pic>
       <p:pic>
         <p:nvPicPr>
           <p:cNvPr id="5" name="Grafik 4">
@@ -18539,7 +18860,7 @@
           <p:nvPr/>
         </p:nvPicPr>
         <p:blipFill>
-          <a:blip r:embed="rId2">
+          <a:blip r:embed="rId3">
             <a:extLst>
               <a:ext uri="{28A0092B-C50C-407E-A947-70E740481C1C}">
                 <a14:useLocalDpi xmlns:a14="http://schemas.microsoft.com/office/drawing/2010/main" val="0"/>
@@ -18554,36 +18875,6 @@
           <a:xfrm>
             <a:off x="8559541" y="4417181"/>
             <a:ext cx="2227486" cy="2440819"/>
-          </a:xfrm>
-          <a:prstGeom prst="rect">
-            <a:avLst/>
-          </a:prstGeom>
-        </p:spPr>
-      </p:pic>
-      <p:pic>
-        <p:nvPicPr>
-          <p:cNvPr id="7" name="Grafik 6">
-            <a:extLst>
-              <a:ext uri="{FF2B5EF4-FFF2-40B4-BE49-F238E27FC236}">
-                <a16:creationId xmlns:a16="http://schemas.microsoft.com/office/drawing/2014/main" id="{C079715E-AB67-AA5D-7833-619282A6E362}"/>
-              </a:ext>
-            </a:extLst>
-          </p:cNvPr>
-          <p:cNvPicPr>
-            <a:picLocks noChangeAspect="1"/>
-          </p:cNvPicPr>
-          <p:nvPr/>
-        </p:nvPicPr>
-        <p:blipFill>
-          <a:blip r:embed="rId3"/>
-          <a:stretch>
-            <a:fillRect/>
-          </a:stretch>
-        </p:blipFill>
-        <p:spPr>
-          <a:xfrm>
-            <a:off x="314647" y="2160016"/>
-            <a:ext cx="8046929" cy="3927094"/>
           </a:xfrm>
           <a:prstGeom prst="rect">
             <a:avLst/>
@@ -18620,46 +18911,19 @@
           <a:chExt cx="0" cy="0"/>
         </a:xfrm>
       </p:grpSpPr>
-      <p:sp>
-        <p:nvSpPr>
-          <p:cNvPr id="2" name="Titel 1">
+      <p:pic>
+        <p:nvPicPr>
+          <p:cNvPr id="7" name="Grafik 6">
             <a:extLst>
               <a:ext uri="{FF2B5EF4-FFF2-40B4-BE49-F238E27FC236}">
-                <a16:creationId xmlns:a16="http://schemas.microsoft.com/office/drawing/2014/main" id="{55619A73-A461-6DC7-34ED-0D146C43EFF3}"/>
-              </a:ext>
-            </a:extLst>
-          </p:cNvPr>
-          <p:cNvSpPr>
-            <a:spLocks noGrp="1"/>
-          </p:cNvSpPr>
-          <p:nvPr>
-            <p:ph type="title"/>
-          </p:nvPr>
-        </p:nvSpPr>
-        <p:spPr/>
-        <p:txBody>
-          <a:bodyPr/>
-          <a:lstStyle/>
-          <a:p>
-            <a:endParaRPr lang="de-DE"/>
-          </a:p>
-        </p:txBody>
-      </p:sp>
-      <p:pic>
-        <p:nvPicPr>
-          <p:cNvPr id="5" name="Inhaltsplatzhalter 4">
-            <a:extLst>
-              <a:ext uri="{FF2B5EF4-FFF2-40B4-BE49-F238E27FC236}">
-                <a16:creationId xmlns:a16="http://schemas.microsoft.com/office/drawing/2014/main" id="{F64E641B-37E4-864A-62A1-9D642D48691B}"/>
+                <a16:creationId xmlns:a16="http://schemas.microsoft.com/office/drawing/2014/main" id="{79992834-24F4-2C77-8F84-E4739377915D}"/>
               </a:ext>
             </a:extLst>
           </p:cNvPr>
           <p:cNvPicPr>
-            <a:picLocks noGrp="1" noChangeAspect="1"/>
+            <a:picLocks noChangeAspect="1"/>
           </p:cNvPicPr>
-          <p:nvPr>
-            <p:ph idx="1"/>
-          </p:nvPr>
+          <p:nvPr/>
         </p:nvPicPr>
         <p:blipFill>
           <a:blip r:embed="rId2"/>
@@ -18669,9 +18933,12 @@
         </p:blipFill>
         <p:spPr>
           <a:xfrm>
-            <a:off x="565150" y="706065"/>
-            <a:ext cx="8875232" cy="5381045"/>
+            <a:off x="320860" y="710418"/>
+            <a:ext cx="8559330" cy="5637471"/>
           </a:xfrm>
+          <a:prstGeom prst="rect">
+            <a:avLst/>
+          </a:prstGeom>
         </p:spPr>
       </p:pic>
     </p:spTree>

--- a/Documentation/Abschlusspräsentation.pptx
+++ b/Documentation/Abschlusspräsentation.pptx
@@ -20,7 +20,8 @@
     <p:sldId id="268" r:id="rId14"/>
     <p:sldId id="269" r:id="rId15"/>
     <p:sldId id="270" r:id="rId16"/>
-    <p:sldId id="271" r:id="rId17"/>
+    <p:sldId id="274" r:id="rId17"/>
+    <p:sldId id="271" r:id="rId18"/>
   </p:sldIdLst>
   <p:sldSz cx="12192000" cy="6858000"/>
   <p:notesSz cx="6858000" cy="9144000"/>
@@ -2315,7 +2316,7 @@
             <a:fld id="{A5B0A250-5CC0-1746-B209-08E8B0DAE6AF}" type="datetimeFigureOut">
               <a:rPr lang="en-US" smtClean="0"/>
               <a:pPr algn="l"/>
-              <a:t>4/24/2023</a:t>
+              <a:t>4/26/2023</a:t>
             </a:fld>
             <a:endParaRPr lang="en-US" dirty="0"/>
           </a:p>
@@ -3777,7 +3778,7 @@
           <a:p>
             <a:fld id="{A5B0A250-5CC0-1746-B209-08E8B0DAE6AF}" type="datetimeFigureOut">
               <a:rPr lang="en-US" smtClean="0"/>
-              <a:t>4/24/2023</a:t>
+              <a:t>4/26/2023</a:t>
             </a:fld>
             <a:endParaRPr lang="en-US" dirty="0"/>
           </a:p>
@@ -4707,7 +4708,7 @@
           <a:p>
             <a:fld id="{A5B0A250-5CC0-1746-B209-08E8B0DAE6AF}" type="datetimeFigureOut">
               <a:rPr lang="en-US" smtClean="0"/>
-              <a:t>4/24/2023</a:t>
+              <a:t>4/26/2023</a:t>
             </a:fld>
             <a:endParaRPr lang="en-US"/>
           </a:p>
@@ -6164,7 +6165,7 @@
           <a:p>
             <a:fld id="{A5B0A250-5CC0-1746-B209-08E8B0DAE6AF}" type="datetimeFigureOut">
               <a:rPr lang="en-US" smtClean="0"/>
-              <a:t>4/24/2023</a:t>
+              <a:t>4/26/2023</a:t>
             </a:fld>
             <a:endParaRPr lang="en-US" dirty="0"/>
           </a:p>
@@ -8520,7 +8521,7 @@
           <a:p>
             <a:fld id="{A5B0A250-5CC0-1746-B209-08E8B0DAE6AF}" type="datetimeFigureOut">
               <a:rPr lang="en-US" smtClean="0"/>
-              <a:t>4/24/2023</a:t>
+              <a:t>4/26/2023</a:t>
             </a:fld>
             <a:endParaRPr lang="en-US" dirty="0"/>
           </a:p>
@@ -9561,7 +9562,7 @@
           <a:p>
             <a:fld id="{A5B0A250-5CC0-1746-B209-08E8B0DAE6AF}" type="datetimeFigureOut">
               <a:rPr lang="en-US" smtClean="0"/>
-              <a:t>4/24/2023</a:t>
+              <a:t>4/26/2023</a:t>
             </a:fld>
             <a:endParaRPr lang="en-US" dirty="0"/>
           </a:p>
@@ -10774,7 +10775,7 @@
           <a:p>
             <a:fld id="{A5B0A250-5CC0-1746-B209-08E8B0DAE6AF}" type="datetimeFigureOut">
               <a:rPr lang="en-US" smtClean="0"/>
-              <a:t>4/24/2023</a:t>
+              <a:t>4/26/2023</a:t>
             </a:fld>
             <a:endParaRPr lang="en-US" dirty="0"/>
           </a:p>
@@ -11683,7 +11684,7 @@
           <a:p>
             <a:fld id="{A5B0A250-5CC0-1746-B209-08E8B0DAE6AF}" type="datetimeFigureOut">
               <a:rPr lang="en-US" smtClean="0"/>
-              <a:t>4/24/2023</a:t>
+              <a:t>4/26/2023</a:t>
             </a:fld>
             <a:endParaRPr lang="en-US" dirty="0"/>
           </a:p>
@@ -11842,7 +11843,7 @@
             <a:fld id="{A5B0A250-5CC0-1746-B209-08E8B0DAE6AF}" type="datetimeFigureOut">
               <a:rPr lang="en-US" smtClean="0"/>
               <a:pPr/>
-              <a:t>4/24/2023</a:t>
+              <a:t>4/26/2023</a:t>
             </a:fld>
             <a:endParaRPr lang="en-US" dirty="0"/>
           </a:p>
@@ -12825,7 +12826,7 @@
           <a:p>
             <a:fld id="{A5B0A250-5CC0-1746-B209-08E8B0DAE6AF}" type="datetimeFigureOut">
               <a:rPr lang="en-US" smtClean="0"/>
-              <a:t>4/24/2023</a:t>
+              <a:t>4/26/2023</a:t>
             </a:fld>
             <a:endParaRPr lang="en-US" dirty="0"/>
           </a:p>
@@ -13887,7 +13888,7 @@
           <a:p>
             <a:fld id="{A5B0A250-5CC0-1746-B209-08E8B0DAE6AF}" type="datetimeFigureOut">
               <a:rPr lang="en-US" smtClean="0"/>
-              <a:t>4/24/2023</a:t>
+              <a:t>4/26/2023</a:t>
             </a:fld>
             <a:endParaRPr lang="en-US" dirty="0"/>
           </a:p>
@@ -14175,7 +14176,7 @@
             <a:fld id="{A5B0A250-5CC0-1746-B209-08E8B0DAE6AF}" type="datetimeFigureOut">
               <a:rPr lang="en-US" smtClean="0"/>
               <a:pPr/>
-              <a:t>4/24/2023</a:t>
+              <a:t>4/26/2023</a:t>
             </a:fld>
             <a:endParaRPr lang="en-US" dirty="0"/>
           </a:p>
@@ -16868,6 +16869,243 @@
           <a:chExt cx="0" cy="0"/>
         </a:xfrm>
       </p:grpSpPr>
+      <p:sp>
+        <p:nvSpPr>
+          <p:cNvPr id="2" name="Titel 1">
+            <a:extLst>
+              <a:ext uri="{FF2B5EF4-FFF2-40B4-BE49-F238E27FC236}">
+                <a16:creationId xmlns:a16="http://schemas.microsoft.com/office/drawing/2014/main" id="{A33CB60F-1CBE-0BB3-3A33-B7A9B7B93E84}"/>
+              </a:ext>
+            </a:extLst>
+          </p:cNvPr>
+          <p:cNvSpPr>
+            <a:spLocks noGrp="1"/>
+          </p:cNvSpPr>
+          <p:nvPr>
+            <p:ph type="title"/>
+          </p:nvPr>
+        </p:nvSpPr>
+        <p:spPr/>
+        <p:txBody>
+          <a:bodyPr/>
+          <a:lstStyle/>
+          <a:p>
+            <a:r>
+              <a:rPr lang="de-DE" dirty="0"/>
+              <a:t>.exe</a:t>
+            </a:r>
+          </a:p>
+        </p:txBody>
+      </p:sp>
+      <p:sp>
+        <p:nvSpPr>
+          <p:cNvPr id="3" name="Inhaltsplatzhalter 2">
+            <a:extLst>
+              <a:ext uri="{FF2B5EF4-FFF2-40B4-BE49-F238E27FC236}">
+                <a16:creationId xmlns:a16="http://schemas.microsoft.com/office/drawing/2014/main" id="{F1750177-DD7A-5FE9-6C4B-0BC61CB637A5}"/>
+              </a:ext>
+            </a:extLst>
+          </p:cNvPr>
+          <p:cNvSpPr>
+            <a:spLocks noGrp="1"/>
+          </p:cNvSpPr>
+          <p:nvPr>
+            <p:ph idx="1"/>
+          </p:nvPr>
+        </p:nvSpPr>
+        <p:spPr/>
+        <p:txBody>
+          <a:bodyPr/>
+          <a:lstStyle/>
+          <a:p>
+            <a:r>
+              <a:rPr lang="de-DE" dirty="0" err="1"/>
+              <a:t>pip</a:t>
+            </a:r>
+            <a:r>
+              <a:rPr lang="de-DE" dirty="0"/>
+              <a:t> </a:t>
+            </a:r>
+            <a:r>
+              <a:rPr lang="de-DE" dirty="0" err="1"/>
+              <a:t>install</a:t>
+            </a:r>
+            <a:r>
+              <a:rPr lang="de-DE" dirty="0"/>
+              <a:t> auto-</a:t>
+            </a:r>
+            <a:r>
+              <a:rPr lang="de-DE" dirty="0" err="1"/>
+              <a:t>py</a:t>
+            </a:r>
+            <a:r>
+              <a:rPr lang="de-DE" dirty="0"/>
+              <a:t>-</a:t>
+            </a:r>
+            <a:r>
+              <a:rPr lang="de-DE" dirty="0" err="1"/>
+              <a:t>to</a:t>
+            </a:r>
+            <a:r>
+              <a:rPr lang="de-DE" dirty="0"/>
+              <a:t>-exe</a:t>
+            </a:r>
+          </a:p>
+          <a:p>
+            <a:r>
+              <a:rPr lang="de-DE" dirty="0"/>
+              <a:t>auto-</a:t>
+            </a:r>
+            <a:r>
+              <a:rPr lang="de-DE" dirty="0" err="1"/>
+              <a:t>py</a:t>
+            </a:r>
+            <a:r>
+              <a:rPr lang="de-DE" dirty="0"/>
+              <a:t>-</a:t>
+            </a:r>
+            <a:r>
+              <a:rPr lang="de-DE" dirty="0" err="1"/>
+              <a:t>to</a:t>
+            </a:r>
+            <a:r>
+              <a:rPr lang="de-DE" dirty="0"/>
+              <a:t>-exe</a:t>
+            </a:r>
+          </a:p>
+        </p:txBody>
+      </p:sp>
+      <p:sp>
+        <p:nvSpPr>
+          <p:cNvPr id="4" name="Rechteck 3">
+            <a:extLst>
+              <a:ext uri="{FF2B5EF4-FFF2-40B4-BE49-F238E27FC236}">
+                <a16:creationId xmlns:a16="http://schemas.microsoft.com/office/drawing/2014/main" id="{4F92617B-7013-DA91-250B-38C443687C86}"/>
+              </a:ext>
+            </a:extLst>
+          </p:cNvPr>
+          <p:cNvSpPr/>
+          <p:nvPr/>
+        </p:nvSpPr>
+        <p:spPr>
+          <a:xfrm>
+            <a:off x="434340" y="6015990"/>
+            <a:ext cx="8294370" cy="191262"/>
+          </a:xfrm>
+          <a:prstGeom prst="rect">
+            <a:avLst/>
+          </a:prstGeom>
+          <a:solidFill>
+            <a:schemeClr val="bg1"/>
+          </a:solidFill>
+          <a:ln>
+            <a:solidFill>
+              <a:schemeClr val="bg1"/>
+            </a:solidFill>
+          </a:ln>
+        </p:spPr>
+        <p:style>
+          <a:lnRef idx="2">
+            <a:schemeClr val="accent1">
+              <a:shade val="50000"/>
+            </a:schemeClr>
+          </a:lnRef>
+          <a:fillRef idx="1">
+            <a:schemeClr val="accent1"/>
+          </a:fillRef>
+          <a:effectRef idx="0">
+            <a:schemeClr val="accent1"/>
+          </a:effectRef>
+          <a:fontRef idx="minor">
+            <a:schemeClr val="lt1"/>
+          </a:fontRef>
+        </p:style>
+        <p:txBody>
+          <a:bodyPr rtlCol="0" anchor="ctr"/>
+          <a:lstStyle/>
+          <a:p>
+            <a:pPr algn="ctr"/>
+            <a:endParaRPr lang="de-DE"/>
+          </a:p>
+        </p:txBody>
+      </p:sp>
+      <p:pic>
+        <p:nvPicPr>
+          <p:cNvPr id="1026" name="Picture 2" descr="Bild">
+            <a:extLst>
+              <a:ext uri="{FF2B5EF4-FFF2-40B4-BE49-F238E27FC236}">
+                <a16:creationId xmlns:a16="http://schemas.microsoft.com/office/drawing/2014/main" id="{EF46D65F-46F2-B737-DFE6-CEF8C2CE9345}"/>
+              </a:ext>
+            </a:extLst>
+          </p:cNvPr>
+          <p:cNvPicPr>
+            <a:picLocks noChangeAspect="1" noChangeArrowheads="1"/>
+          </p:cNvPicPr>
+          <p:nvPr/>
+        </p:nvPicPr>
+        <p:blipFill>
+          <a:blip r:embed="rId2">
+            <a:extLst>
+              <a:ext uri="{28A0092B-C50C-407E-A947-70E740481C1C}">
+                <a14:useLocalDpi xmlns:a14="http://schemas.microsoft.com/office/drawing/2010/main" val="0"/>
+              </a:ext>
+            </a:extLst>
+          </a:blip>
+          <a:srcRect/>
+          <a:stretch>
+            <a:fillRect/>
+          </a:stretch>
+        </p:blipFill>
+        <p:spPr bwMode="auto">
+          <a:xfrm>
+            <a:off x="4963479" y="681990"/>
+            <a:ext cx="5171148" cy="5405120"/>
+          </a:xfrm>
+          <a:prstGeom prst="rect">
+            <a:avLst/>
+          </a:prstGeom>
+          <a:noFill/>
+          <a:extLst>
+            <a:ext uri="{909E8E84-426E-40DD-AFC4-6F175D3DCCD1}">
+              <a14:hiddenFill xmlns:a14="http://schemas.microsoft.com/office/drawing/2010/main">
+                <a:solidFill>
+                  <a:srgbClr val="FFFFFF"/>
+                </a:solidFill>
+              </a14:hiddenFill>
+            </a:ext>
+          </a:extLst>
+        </p:spPr>
+      </p:pic>
+    </p:spTree>
+    <p:extLst>
+      <p:ext uri="{BB962C8B-B14F-4D97-AF65-F5344CB8AC3E}">
+        <p14:creationId xmlns:p14="http://schemas.microsoft.com/office/powerpoint/2010/main" val="3884952526"/>
+      </p:ext>
+    </p:extLst>
+  </p:cSld>
+  <p:clrMapOvr>
+    <a:masterClrMapping/>
+  </p:clrMapOvr>
+</p:sld>
+</file>
+
+<file path=ppt/slides/slide17.xml><?xml version="1.0" encoding="utf-8"?>
+<p:sld xmlns:a="http://schemas.openxmlformats.org/drawingml/2006/main" xmlns:r="http://schemas.openxmlformats.org/officeDocument/2006/relationships" xmlns:p="http://schemas.openxmlformats.org/presentationml/2006/main">
+  <p:cSld>
+    <p:spTree>
+      <p:nvGrpSpPr>
+        <p:cNvPr id="1" name=""/>
+        <p:cNvGrpSpPr/>
+        <p:nvPr/>
+      </p:nvGrpSpPr>
+      <p:grpSpPr>
+        <a:xfrm>
+          <a:off x="0" y="0"/>
+          <a:ext cx="0" cy="0"/>
+          <a:chOff x="0" y="0"/>
+          <a:chExt cx="0" cy="0"/>
+        </a:xfrm>
+      </p:grpSpPr>
       <p:pic>
         <p:nvPicPr>
           <p:cNvPr id="5" name="Grafik 4">
@@ -16977,7 +17215,9 @@
         </p:nvSpPr>
         <p:spPr/>
         <p:txBody>
-          <a:bodyPr/>
+          <a:bodyPr>
+            <a:normAutofit lnSpcReduction="10000"/>
+          </a:bodyPr>
           <a:lstStyle/>
           <a:p>
             <a:r>
@@ -17031,6 +17271,15 @@
                 <a:cs typeface="Calibri" panose="020F0502020204030204" pitchFamily="34" charset="0"/>
               </a:rPr>
               <a:t>Zusatzfunktionen</a:t>
+            </a:r>
+          </a:p>
+          <a:p>
+            <a:r>
+              <a:rPr lang="de-DE" dirty="0">
+                <a:latin typeface="Calibri" panose="020F0502020204030204" pitchFamily="34" charset="0"/>
+                <a:cs typeface="Calibri" panose="020F0502020204030204" pitchFamily="34" charset="0"/>
+              </a:rPr>
+              <a:t>.exe</a:t>
             </a:r>
           </a:p>
           <a:p>
